--- a/docs/Mocha - Istanbul - Git - CircleCI.pptx
+++ b/docs/Mocha - Istanbul - Git - CircleCI.pptx
@@ -18,15 +18,18 @@
     <p:sldId id="263" r:id="rId13"/>
     <p:sldId id="264" r:id="rId14"/>
     <p:sldId id="265" r:id="rId15"/>
+    <p:sldId id="266" r:id="rId16"/>
+    <p:sldId id="267" r:id="rId17"/>
+    <p:sldId id="268" r:id="rId18"/>
   </p:sldIdLst>
   <p:sldSz cy="5143500" cx="9144000"/>
   <p:notesSz cx="6858000" cy="9144000"/>
   <p:embeddedFontLst>
     <p:embeddedFont>
       <p:font typeface="Old Standard TT"/>
-      <p:regular r:id="rId16"/>
-      <p:bold r:id="rId17"/>
-      <p:italic r:id="rId18"/>
+      <p:regular r:id="rId19"/>
+      <p:bold r:id="rId20"/>
+      <p:italic r:id="rId21"/>
     </p:embeddedFont>
   </p:embeddedFontLst>
   <p:defaultTextStyle>
@@ -807,7 +810,7 @@
   <p:cSld>
     <p:spTree>
       <p:nvGrpSpPr>
-        <p:cNvPr id="110" name="Shape 110"/>
+        <p:cNvPr id="109" name="Shape 109"/>
         <p:cNvGrpSpPr/>
         <p:nvPr/>
       </p:nvGrpSpPr>
@@ -821,7 +824,7 @@
       </p:grpSpPr>
       <p:sp>
         <p:nvSpPr>
-          <p:cNvPr id="111" name="Google Shape;111;g701c3984ec_0_62:notes"/>
+          <p:cNvPr id="110" name="Google Shape;110;g70280151e0_0_0:notes"/>
           <p:cNvSpPr/>
           <p:nvPr>
             <p:ph idx="2" type="sldImg"/>
@@ -856,7 +859,304 @@
       </p:sp>
       <p:sp>
         <p:nvSpPr>
-          <p:cNvPr id="112" name="Google Shape;112;g701c3984ec_0_62:notes"/>
+          <p:cNvPr id="111" name="Google Shape;111;g70280151e0_0_0:notes"/>
+          <p:cNvSpPr txBox="1"/>
+          <p:nvPr>
+            <p:ph idx="1" type="body"/>
+          </p:nvPr>
+        </p:nvSpPr>
+        <p:spPr>
+          <a:xfrm>
+            <a:off x="685800" y="4343400"/>
+            <a:ext cx="5486400" cy="4114800"/>
+          </a:xfrm>
+          <a:prstGeom prst="rect">
+            <a:avLst/>
+          </a:prstGeom>
+        </p:spPr>
+        <p:txBody>
+          <a:bodyPr anchorCtr="0" anchor="t" bIns="91425" lIns="91425" spcFirstLastPara="1" rIns="91425" wrap="square" tIns="91425">
+            <a:noAutofit/>
+          </a:bodyPr>
+          <a:lstStyle/>
+          <a:p>
+            <a:pPr indent="0" lvl="0" marL="0" rtl="0" algn="l">
+              <a:spcBef>
+                <a:spcPts val="0"/>
+              </a:spcBef>
+              <a:spcAft>
+                <a:spcPts val="0"/>
+              </a:spcAft>
+              <a:buNone/>
+            </a:pPr>
+            <a:r>
+              <a:t/>
+            </a:r>
+            <a:endParaRPr/>
+          </a:p>
+        </p:txBody>
+      </p:sp>
+    </p:spTree>
+  </p:cSld>
+  <p:clrMapOvr>
+    <a:masterClrMapping/>
+  </p:clrMapOvr>
+</p:notes>
+</file>
+
+<file path=ppt/notesSlides/notesSlide11.xml><?xml version="1.0" encoding="utf-8"?>
+<p:notes xmlns:a="http://schemas.openxmlformats.org/drawingml/2006/main" xmlns:r="http://schemas.openxmlformats.org/officeDocument/2006/relationships" xmlns:mc="http://schemas.openxmlformats.org/markup-compatibility/2006" xmlns:mv="urn:schemas-microsoft-com:mac:vml" xmlns:p="http://schemas.openxmlformats.org/presentationml/2006/main" xmlns:c="http://schemas.openxmlformats.org/drawingml/2006/chart" xmlns:dgm="http://schemas.openxmlformats.org/drawingml/2006/diagram" xmlns:o="urn:schemas-microsoft-com:office:office" xmlns:v="urn:schemas-microsoft-com:vml" xmlns:pvml="urn:schemas-microsoft-com:office:powerpoint" xmlns:com="http://schemas.openxmlformats.org/drawingml/2006/compatibility" xmlns:p14="http://schemas.microsoft.com/office/powerpoint/2010/main" xmlns:p15="http://schemas.microsoft.com/office/powerpoint/2012/main" showMasterPhAnim="0" showMasterSp="0">
+  <p:cSld>
+    <p:spTree>
+      <p:nvGrpSpPr>
+        <p:cNvPr id="114" name="Shape 114"/>
+        <p:cNvGrpSpPr/>
+        <p:nvPr/>
+      </p:nvGrpSpPr>
+      <p:grpSpPr>
+        <a:xfrm>
+          <a:off x="0" y="0"/>
+          <a:ext cx="0" cy="0"/>
+          <a:chOff x="0" y="0"/>
+          <a:chExt cx="0" cy="0"/>
+        </a:xfrm>
+      </p:grpSpPr>
+      <p:sp>
+        <p:nvSpPr>
+          <p:cNvPr id="115" name="Google Shape;115;g70280151e0_0_22:notes"/>
+          <p:cNvSpPr/>
+          <p:nvPr>
+            <p:ph idx="2" type="sldImg"/>
+          </p:nvPr>
+        </p:nvSpPr>
+        <p:spPr>
+          <a:xfrm>
+            <a:off x="381300" y="685800"/>
+            <a:ext cx="6096000" cy="3429000"/>
+          </a:xfrm>
+          <a:custGeom>
+            <a:rect b="b" l="l" r="r" t="t"/>
+            <a:pathLst>
+              <a:path extrusionOk="0" h="120000" w="120000">
+                <a:moveTo>
+                  <a:pt x="0" y="0"/>
+                </a:moveTo>
+                <a:lnTo>
+                  <a:pt x="120000" y="0"/>
+                </a:lnTo>
+                <a:lnTo>
+                  <a:pt x="120000" y="120000"/>
+                </a:lnTo>
+                <a:lnTo>
+                  <a:pt x="0" y="120000"/>
+                </a:lnTo>
+                <a:close/>
+              </a:path>
+            </a:pathLst>
+          </a:custGeom>
+        </p:spPr>
+      </p:sp>
+      <p:sp>
+        <p:nvSpPr>
+          <p:cNvPr id="116" name="Google Shape;116;g70280151e0_0_22:notes"/>
+          <p:cNvSpPr txBox="1"/>
+          <p:nvPr>
+            <p:ph idx="1" type="body"/>
+          </p:nvPr>
+        </p:nvSpPr>
+        <p:spPr>
+          <a:xfrm>
+            <a:off x="685800" y="4343400"/>
+            <a:ext cx="5486400" cy="4114800"/>
+          </a:xfrm>
+          <a:prstGeom prst="rect">
+            <a:avLst/>
+          </a:prstGeom>
+        </p:spPr>
+        <p:txBody>
+          <a:bodyPr anchorCtr="0" anchor="t" bIns="91425" lIns="91425" spcFirstLastPara="1" rIns="91425" wrap="square" tIns="91425">
+            <a:noAutofit/>
+          </a:bodyPr>
+          <a:lstStyle/>
+          <a:p>
+            <a:pPr indent="0" lvl="0" marL="0" rtl="0" algn="l">
+              <a:spcBef>
+                <a:spcPts val="0"/>
+              </a:spcBef>
+              <a:spcAft>
+                <a:spcPts val="0"/>
+              </a:spcAft>
+              <a:buNone/>
+            </a:pPr>
+            <a:r>
+              <a:t/>
+            </a:r>
+            <a:endParaRPr/>
+          </a:p>
+        </p:txBody>
+      </p:sp>
+    </p:spTree>
+  </p:cSld>
+  <p:clrMapOvr>
+    <a:masterClrMapping/>
+  </p:clrMapOvr>
+</p:notes>
+</file>
+
+<file path=ppt/notesSlides/notesSlide12.xml><?xml version="1.0" encoding="utf-8"?>
+<p:notes xmlns:a="http://schemas.openxmlformats.org/drawingml/2006/main" xmlns:r="http://schemas.openxmlformats.org/officeDocument/2006/relationships" xmlns:mc="http://schemas.openxmlformats.org/markup-compatibility/2006" xmlns:mv="urn:schemas-microsoft-com:mac:vml" xmlns:p="http://schemas.openxmlformats.org/presentationml/2006/main" xmlns:c="http://schemas.openxmlformats.org/drawingml/2006/chart" xmlns:dgm="http://schemas.openxmlformats.org/drawingml/2006/diagram" xmlns:o="urn:schemas-microsoft-com:office:office" xmlns:v="urn:schemas-microsoft-com:vml" xmlns:pvml="urn:schemas-microsoft-com:office:powerpoint" xmlns:com="http://schemas.openxmlformats.org/drawingml/2006/compatibility" xmlns:p14="http://schemas.microsoft.com/office/powerpoint/2010/main" xmlns:p15="http://schemas.microsoft.com/office/powerpoint/2012/main" showMasterPhAnim="0" showMasterSp="0">
+  <p:cSld>
+    <p:spTree>
+      <p:nvGrpSpPr>
+        <p:cNvPr id="120" name="Shape 120"/>
+        <p:cNvGrpSpPr/>
+        <p:nvPr/>
+      </p:nvGrpSpPr>
+      <p:grpSpPr>
+        <a:xfrm>
+          <a:off x="0" y="0"/>
+          <a:ext cx="0" cy="0"/>
+          <a:chOff x="0" y="0"/>
+          <a:chExt cx="0" cy="0"/>
+        </a:xfrm>
+      </p:grpSpPr>
+      <p:sp>
+        <p:nvSpPr>
+          <p:cNvPr id="121" name="Google Shape;121;g70280151e0_0_31:notes"/>
+          <p:cNvSpPr/>
+          <p:nvPr>
+            <p:ph idx="2" type="sldImg"/>
+          </p:nvPr>
+        </p:nvSpPr>
+        <p:spPr>
+          <a:xfrm>
+            <a:off x="381300" y="685800"/>
+            <a:ext cx="6096000" cy="3429000"/>
+          </a:xfrm>
+          <a:custGeom>
+            <a:rect b="b" l="l" r="r" t="t"/>
+            <a:pathLst>
+              <a:path extrusionOk="0" h="120000" w="120000">
+                <a:moveTo>
+                  <a:pt x="0" y="0"/>
+                </a:moveTo>
+                <a:lnTo>
+                  <a:pt x="120000" y="0"/>
+                </a:lnTo>
+                <a:lnTo>
+                  <a:pt x="120000" y="120000"/>
+                </a:lnTo>
+                <a:lnTo>
+                  <a:pt x="0" y="120000"/>
+                </a:lnTo>
+                <a:close/>
+              </a:path>
+            </a:pathLst>
+          </a:custGeom>
+        </p:spPr>
+      </p:sp>
+      <p:sp>
+        <p:nvSpPr>
+          <p:cNvPr id="122" name="Google Shape;122;g70280151e0_0_31:notes"/>
+          <p:cNvSpPr txBox="1"/>
+          <p:nvPr>
+            <p:ph idx="1" type="body"/>
+          </p:nvPr>
+        </p:nvSpPr>
+        <p:spPr>
+          <a:xfrm>
+            <a:off x="685800" y="4343400"/>
+            <a:ext cx="5486400" cy="4114800"/>
+          </a:xfrm>
+          <a:prstGeom prst="rect">
+            <a:avLst/>
+          </a:prstGeom>
+        </p:spPr>
+        <p:txBody>
+          <a:bodyPr anchorCtr="0" anchor="t" bIns="91425" lIns="91425" spcFirstLastPara="1" rIns="91425" wrap="square" tIns="91425">
+            <a:noAutofit/>
+          </a:bodyPr>
+          <a:lstStyle/>
+          <a:p>
+            <a:pPr indent="0" lvl="0" marL="0" rtl="0" algn="l">
+              <a:spcBef>
+                <a:spcPts val="0"/>
+              </a:spcBef>
+              <a:spcAft>
+                <a:spcPts val="0"/>
+              </a:spcAft>
+              <a:buNone/>
+            </a:pPr>
+            <a:r>
+              <a:t/>
+            </a:r>
+            <a:endParaRPr/>
+          </a:p>
+        </p:txBody>
+      </p:sp>
+    </p:spTree>
+  </p:cSld>
+  <p:clrMapOvr>
+    <a:masterClrMapping/>
+  </p:clrMapOvr>
+</p:notes>
+</file>
+
+<file path=ppt/notesSlides/notesSlide13.xml><?xml version="1.0" encoding="utf-8"?>
+<p:notes xmlns:a="http://schemas.openxmlformats.org/drawingml/2006/main" xmlns:r="http://schemas.openxmlformats.org/officeDocument/2006/relationships" xmlns:mc="http://schemas.openxmlformats.org/markup-compatibility/2006" xmlns:mv="urn:schemas-microsoft-com:mac:vml" xmlns:p="http://schemas.openxmlformats.org/presentationml/2006/main" xmlns:c="http://schemas.openxmlformats.org/drawingml/2006/chart" xmlns:dgm="http://schemas.openxmlformats.org/drawingml/2006/diagram" xmlns:o="urn:schemas-microsoft-com:office:office" xmlns:v="urn:schemas-microsoft-com:vml" xmlns:pvml="urn:schemas-microsoft-com:office:powerpoint" xmlns:com="http://schemas.openxmlformats.org/drawingml/2006/compatibility" xmlns:p14="http://schemas.microsoft.com/office/powerpoint/2010/main" xmlns:p15="http://schemas.microsoft.com/office/powerpoint/2012/main" showMasterPhAnim="0" showMasterSp="0">
+  <p:cSld>
+    <p:spTree>
+      <p:nvGrpSpPr>
+        <p:cNvPr id="126" name="Shape 126"/>
+        <p:cNvGrpSpPr/>
+        <p:nvPr/>
+      </p:nvGrpSpPr>
+      <p:grpSpPr>
+        <a:xfrm>
+          <a:off x="0" y="0"/>
+          <a:ext cx="0" cy="0"/>
+          <a:chOff x="0" y="0"/>
+          <a:chExt cx="0" cy="0"/>
+        </a:xfrm>
+      </p:grpSpPr>
+      <p:sp>
+        <p:nvSpPr>
+          <p:cNvPr id="127" name="Google Shape;127;g701c3984ec_0_62:notes"/>
+          <p:cNvSpPr/>
+          <p:nvPr>
+            <p:ph idx="2" type="sldImg"/>
+          </p:nvPr>
+        </p:nvSpPr>
+        <p:spPr>
+          <a:xfrm>
+            <a:off x="381300" y="685800"/>
+            <a:ext cx="6096000" cy="3429000"/>
+          </a:xfrm>
+          <a:custGeom>
+            <a:rect b="b" l="l" r="r" t="t"/>
+            <a:pathLst>
+              <a:path extrusionOk="0" h="120000" w="120000">
+                <a:moveTo>
+                  <a:pt x="0" y="0"/>
+                </a:moveTo>
+                <a:lnTo>
+                  <a:pt x="120000" y="0"/>
+                </a:lnTo>
+                <a:lnTo>
+                  <a:pt x="120000" y="120000"/>
+                </a:lnTo>
+                <a:lnTo>
+                  <a:pt x="0" y="120000"/>
+                </a:lnTo>
+                <a:close/>
+              </a:path>
+            </a:pathLst>
+          </a:custGeom>
+        </p:spPr>
+      </p:sp>
+      <p:sp>
+        <p:nvSpPr>
+          <p:cNvPr id="128" name="Google Shape;128;g701c3984ec_0_62:notes"/>
           <p:cNvSpPr txBox="1"/>
           <p:nvPr>
             <p:ph idx="1" type="body"/>
@@ -1019,7 +1319,7 @@
       </p:grpSpPr>
       <p:sp>
         <p:nvSpPr>
-          <p:cNvPr id="72" name="Google Shape;72;g70280151e0_0_13:notes"/>
+          <p:cNvPr id="72" name="Google Shape;72;g70ed777198_0_0:notes"/>
           <p:cNvSpPr/>
           <p:nvPr>
             <p:ph idx="2" type="sldImg"/>
@@ -1054,7 +1354,7 @@
       </p:sp>
       <p:sp>
         <p:nvSpPr>
-          <p:cNvPr id="73" name="Google Shape;73;g70280151e0_0_13:notes"/>
+          <p:cNvPr id="73" name="Google Shape;73;g70ed777198_0_0:notes"/>
           <p:cNvSpPr txBox="1"/>
           <p:nvPr>
             <p:ph idx="1" type="body"/>
@@ -1104,7 +1404,7 @@
   <p:cSld>
     <p:spTree>
       <p:nvGrpSpPr>
-        <p:cNvPr id="76" name="Shape 76"/>
+        <p:cNvPr id="77" name="Shape 77"/>
         <p:cNvGrpSpPr/>
         <p:nvPr/>
       </p:nvGrpSpPr>
@@ -1118,7 +1418,7 @@
       </p:grpSpPr>
       <p:sp>
         <p:nvSpPr>
-          <p:cNvPr id="77" name="Google Shape;77;g70280151e0_0_43:notes"/>
+          <p:cNvPr id="78" name="Google Shape;78;g7035aae313_0_7:notes"/>
           <p:cNvSpPr/>
           <p:nvPr>
             <p:ph idx="2" type="sldImg"/>
@@ -1153,7 +1453,7 @@
       </p:sp>
       <p:sp>
         <p:nvSpPr>
-          <p:cNvPr id="78" name="Google Shape;78;g70280151e0_0_43:notes"/>
+          <p:cNvPr id="79" name="Google Shape;79;g7035aae313_0_7:notes"/>
           <p:cNvSpPr txBox="1"/>
           <p:nvPr>
             <p:ph idx="1" type="body"/>
@@ -1203,7 +1503,7 @@
   <p:cSld>
     <p:spTree>
       <p:nvGrpSpPr>
-        <p:cNvPr id="81" name="Shape 81"/>
+        <p:cNvPr id="82" name="Shape 82"/>
         <p:cNvGrpSpPr/>
         <p:nvPr/>
       </p:nvGrpSpPr>
@@ -1217,7 +1517,7 @@
       </p:grpSpPr>
       <p:sp>
         <p:nvSpPr>
-          <p:cNvPr id="82" name="Google Shape;82;g70280151e0_0_37:notes"/>
+          <p:cNvPr id="83" name="Google Shape;83;g701c3984ec_0_68:notes"/>
           <p:cNvSpPr/>
           <p:nvPr>
             <p:ph idx="2" type="sldImg"/>
@@ -1252,7 +1552,7 @@
       </p:sp>
       <p:sp>
         <p:nvSpPr>
-          <p:cNvPr id="83" name="Google Shape;83;g70280151e0_0_37:notes"/>
+          <p:cNvPr id="84" name="Google Shape;84;g701c3984ec_0_68:notes"/>
           <p:cNvSpPr txBox="1"/>
           <p:nvPr>
             <p:ph idx="1" type="body"/>
@@ -1302,7 +1602,7 @@
   <p:cSld>
     <p:spTree>
       <p:nvGrpSpPr>
-        <p:cNvPr id="86" name="Shape 86"/>
+        <p:cNvPr id="88" name="Shape 88"/>
         <p:cNvGrpSpPr/>
         <p:nvPr/>
       </p:nvGrpSpPr>
@@ -1316,7 +1616,7 @@
       </p:grpSpPr>
       <p:sp>
         <p:nvSpPr>
-          <p:cNvPr id="87" name="Google Shape;87;g701c3984ec_0_68:notes"/>
+          <p:cNvPr id="89" name="Google Shape;89;g70280151e0_0_13:notes"/>
           <p:cNvSpPr/>
           <p:nvPr>
             <p:ph idx="2" type="sldImg"/>
@@ -1351,7 +1651,7 @@
       </p:sp>
       <p:sp>
         <p:nvSpPr>
-          <p:cNvPr id="88" name="Google Shape;88;g701c3984ec_0_68:notes"/>
+          <p:cNvPr id="90" name="Google Shape;90;g70280151e0_0_13:notes"/>
           <p:cNvSpPr txBox="1"/>
           <p:nvPr>
             <p:ph idx="1" type="body"/>
@@ -1415,7 +1715,7 @@
       </p:grpSpPr>
       <p:sp>
         <p:nvSpPr>
-          <p:cNvPr id="94" name="Google Shape;94;g70280151e0_0_0:notes"/>
+          <p:cNvPr id="94" name="Google Shape;94;g7035aae313_0_0:notes"/>
           <p:cNvSpPr/>
           <p:nvPr>
             <p:ph idx="2" type="sldImg"/>
@@ -1450,7 +1750,7 @@
       </p:sp>
       <p:sp>
         <p:nvSpPr>
-          <p:cNvPr id="95" name="Google Shape;95;g70280151e0_0_0:notes"/>
+          <p:cNvPr id="95" name="Google Shape;95;g7035aae313_0_0:notes"/>
           <p:cNvSpPr txBox="1"/>
           <p:nvPr>
             <p:ph idx="1" type="body"/>
@@ -1500,7 +1800,7 @@
   <p:cSld>
     <p:spTree>
       <p:nvGrpSpPr>
-        <p:cNvPr id="98" name="Shape 98"/>
+        <p:cNvPr id="99" name="Shape 99"/>
         <p:cNvGrpSpPr/>
         <p:nvPr/>
       </p:nvGrpSpPr>
@@ -1514,7 +1814,7 @@
       </p:grpSpPr>
       <p:sp>
         <p:nvSpPr>
-          <p:cNvPr id="99" name="Google Shape;99;g70280151e0_0_22:notes"/>
+          <p:cNvPr id="100" name="Google Shape;100;g70280151e0_0_43:notes"/>
           <p:cNvSpPr/>
           <p:nvPr>
             <p:ph idx="2" type="sldImg"/>
@@ -1549,7 +1849,7 @@
       </p:sp>
       <p:sp>
         <p:nvSpPr>
-          <p:cNvPr id="100" name="Google Shape;100;g70280151e0_0_22:notes"/>
+          <p:cNvPr id="101" name="Google Shape;101;g70280151e0_0_43:notes"/>
           <p:cNvSpPr txBox="1"/>
           <p:nvPr>
             <p:ph idx="1" type="body"/>
@@ -1613,7 +1913,7 @@
       </p:grpSpPr>
       <p:sp>
         <p:nvSpPr>
-          <p:cNvPr id="105" name="Google Shape;105;g70280151e0_0_31:notes"/>
+          <p:cNvPr id="105" name="Google Shape;105;g70280151e0_0_37:notes"/>
           <p:cNvSpPr/>
           <p:nvPr>
             <p:ph idx="2" type="sldImg"/>
@@ -1648,7 +1948,7 @@
       </p:sp>
       <p:sp>
         <p:nvSpPr>
-          <p:cNvPr id="106" name="Google Shape;106;g70280151e0_0_31:notes"/>
+          <p:cNvPr id="106" name="Google Shape;106;g70280151e0_0_37:notes"/>
           <p:cNvSpPr txBox="1"/>
           <p:nvPr>
             <p:ph idx="1" type="body"/>
@@ -7328,7 +7628,7 @@
   <p:cSld>
     <p:spTree>
       <p:nvGrpSpPr>
-        <p:cNvPr id="113" name="Shape 113"/>
+        <p:cNvPr id="112" name="Shape 112"/>
         <p:cNvGrpSpPr/>
         <p:nvPr/>
       </p:nvGrpSpPr>
@@ -7342,7 +7642,303 @@
       </p:grpSpPr>
       <p:sp>
         <p:nvSpPr>
-          <p:cNvPr id="114" name="Google Shape;114;p22"/>
+          <p:cNvPr id="113" name="Google Shape;113;p22"/>
+          <p:cNvSpPr txBox="1"/>
+          <p:nvPr>
+            <p:ph type="title"/>
+          </p:nvPr>
+        </p:nvSpPr>
+        <p:spPr>
+          <a:xfrm>
+            <a:off x="512700" y="1893300"/>
+            <a:ext cx="8118600" cy="1522800"/>
+          </a:xfrm>
+          <a:prstGeom prst="rect">
+            <a:avLst/>
+          </a:prstGeom>
+        </p:spPr>
+        <p:txBody>
+          <a:bodyPr anchorCtr="0" anchor="b" bIns="91425" lIns="91425" spcFirstLastPara="1" rIns="91425" wrap="square" tIns="91425">
+            <a:noAutofit/>
+          </a:bodyPr>
+          <a:lstStyle/>
+          <a:p>
+            <a:pPr indent="0" lvl="0" marL="0" rtl="0" algn="l">
+              <a:spcBef>
+                <a:spcPts val="0"/>
+              </a:spcBef>
+              <a:spcAft>
+                <a:spcPts val="0"/>
+              </a:spcAft>
+              <a:buNone/>
+            </a:pPr>
+            <a:r>
+              <a:rPr lang="en"/>
+              <a:t>Live Demo </a:t>
+            </a:r>
+            <a:r>
+              <a:rPr lang="en" sz="2400">
+                <a:solidFill>
+                  <a:srgbClr val="666666"/>
+                </a:solidFill>
+              </a:rPr>
+              <a:t>(before)</a:t>
+            </a:r>
+            <a:endParaRPr sz="2400">
+              <a:solidFill>
+                <a:srgbClr val="666666"/>
+              </a:solidFill>
+            </a:endParaRPr>
+          </a:p>
+        </p:txBody>
+      </p:sp>
+    </p:spTree>
+  </p:cSld>
+  <p:clrMapOvr>
+    <a:masterClrMapping/>
+  </p:clrMapOvr>
+</p:sld>
+</file>
+
+<file path=ppt/slides/slide11.xml><?xml version="1.0" encoding="utf-8"?>
+<p:sld xmlns:a="http://schemas.openxmlformats.org/drawingml/2006/main" xmlns:r="http://schemas.openxmlformats.org/officeDocument/2006/relationships" xmlns:mc="http://schemas.openxmlformats.org/markup-compatibility/2006" xmlns:mv="urn:schemas-microsoft-com:mac:vml" xmlns:p="http://schemas.openxmlformats.org/presentationml/2006/main" xmlns:c="http://schemas.openxmlformats.org/drawingml/2006/chart" xmlns:dgm="http://schemas.openxmlformats.org/drawingml/2006/diagram" xmlns:o="urn:schemas-microsoft-com:office:office" xmlns:v="urn:schemas-microsoft-com:vml" xmlns:pvml="urn:schemas-microsoft-com:office:powerpoint" xmlns:com="http://schemas.openxmlformats.org/drawingml/2006/compatibility" xmlns:p14="http://schemas.microsoft.com/office/powerpoint/2010/main" xmlns:p15="http://schemas.microsoft.com/office/powerpoint/2012/main">
+  <p:cSld>
+    <p:spTree>
+      <p:nvGrpSpPr>
+        <p:cNvPr id="117" name="Shape 117"/>
+        <p:cNvGrpSpPr/>
+        <p:nvPr/>
+      </p:nvGrpSpPr>
+      <p:grpSpPr>
+        <a:xfrm>
+          <a:off x="0" y="0"/>
+          <a:ext cx="0" cy="0"/>
+          <a:chOff x="0" y="0"/>
+          <a:chExt cx="0" cy="0"/>
+        </a:xfrm>
+      </p:grpSpPr>
+      <p:sp>
+        <p:nvSpPr>
+          <p:cNvPr id="118" name="Google Shape;118;p23"/>
+          <p:cNvSpPr txBox="1"/>
+          <p:nvPr>
+            <p:ph type="title"/>
+          </p:nvPr>
+        </p:nvSpPr>
+        <p:spPr>
+          <a:xfrm>
+            <a:off x="466300" y="525150"/>
+            <a:ext cx="5874900" cy="1281300"/>
+          </a:xfrm>
+          <a:prstGeom prst="rect">
+            <a:avLst/>
+          </a:prstGeom>
+        </p:spPr>
+        <p:txBody>
+          <a:bodyPr anchorCtr="0" anchor="b" bIns="91425" lIns="91425" spcFirstLastPara="1" rIns="91425" wrap="square" tIns="91425">
+            <a:noAutofit/>
+          </a:bodyPr>
+          <a:lstStyle/>
+          <a:p>
+            <a:pPr indent="0" lvl="0" marL="0" rtl="0" algn="l">
+              <a:spcBef>
+                <a:spcPts val="0"/>
+              </a:spcBef>
+              <a:spcAft>
+                <a:spcPts val="0"/>
+              </a:spcAft>
+              <a:buNone/>
+            </a:pPr>
+            <a:r>
+              <a:rPr lang="en" sz="3600"/>
+              <a:t>Quick sacrifice to</a:t>
+            </a:r>
+            <a:r>
+              <a:rPr lang="en" sz="4800"/>
+              <a:t> </a:t>
+            </a:r>
+            <a:r>
+              <a:rPr lang="en" sz="3600"/>
+              <a:t>appease the demo gods</a:t>
+            </a:r>
+            <a:endParaRPr sz="3600"/>
+          </a:p>
+        </p:txBody>
+      </p:sp>
+      <p:pic>
+        <p:nvPicPr>
+          <p:cNvPr id="119" name="Google Shape;119;p23"/>
+          <p:cNvPicPr preferRelativeResize="0"/>
+          <p:nvPr/>
+        </p:nvPicPr>
+        <p:blipFill>
+          <a:blip r:embed="rId3">
+            <a:alphaModFix/>
+          </a:blip>
+          <a:stretch>
+            <a:fillRect/>
+          </a:stretch>
+        </p:blipFill>
+        <p:spPr>
+          <a:xfrm>
+            <a:off x="3534575" y="1518550"/>
+            <a:ext cx="5248350" cy="3059025"/>
+          </a:xfrm>
+          <a:prstGeom prst="rect">
+            <a:avLst/>
+          </a:prstGeom>
+          <a:noFill/>
+          <a:ln>
+            <a:noFill/>
+          </a:ln>
+        </p:spPr>
+      </p:pic>
+    </p:spTree>
+  </p:cSld>
+  <p:clrMapOvr>
+    <a:masterClrMapping/>
+  </p:clrMapOvr>
+</p:sld>
+</file>
+
+<file path=ppt/slides/slide12.xml><?xml version="1.0" encoding="utf-8"?>
+<p:sld xmlns:a="http://schemas.openxmlformats.org/drawingml/2006/main" xmlns:r="http://schemas.openxmlformats.org/officeDocument/2006/relationships" xmlns:mc="http://schemas.openxmlformats.org/markup-compatibility/2006" xmlns:mv="urn:schemas-microsoft-com:mac:vml" xmlns:p="http://schemas.openxmlformats.org/presentationml/2006/main" xmlns:c="http://schemas.openxmlformats.org/drawingml/2006/chart" xmlns:dgm="http://schemas.openxmlformats.org/drawingml/2006/diagram" xmlns:o="urn:schemas-microsoft-com:office:office" xmlns:v="urn:schemas-microsoft-com:vml" xmlns:pvml="urn:schemas-microsoft-com:office:powerpoint" xmlns:com="http://schemas.openxmlformats.org/drawingml/2006/compatibility" xmlns:p14="http://schemas.microsoft.com/office/powerpoint/2010/main" xmlns:p15="http://schemas.microsoft.com/office/powerpoint/2012/main">
+  <p:cSld>
+    <p:spTree>
+      <p:nvGrpSpPr>
+        <p:cNvPr id="123" name="Shape 123"/>
+        <p:cNvGrpSpPr/>
+        <p:nvPr/>
+      </p:nvGrpSpPr>
+      <p:grpSpPr>
+        <a:xfrm>
+          <a:off x="0" y="0"/>
+          <a:ext cx="0" cy="0"/>
+          <a:chOff x="0" y="0"/>
+          <a:chExt cx="0" cy="0"/>
+        </a:xfrm>
+      </p:grpSpPr>
+      <p:sp>
+        <p:nvSpPr>
+          <p:cNvPr id="124" name="Google Shape;124;p24"/>
+          <p:cNvSpPr txBox="1"/>
+          <p:nvPr>
+            <p:ph type="title"/>
+          </p:nvPr>
+        </p:nvSpPr>
+        <p:spPr>
+          <a:xfrm>
+            <a:off x="512700" y="1893300"/>
+            <a:ext cx="8118600" cy="1522800"/>
+          </a:xfrm>
+          <a:prstGeom prst="rect">
+            <a:avLst/>
+          </a:prstGeom>
+        </p:spPr>
+        <p:txBody>
+          <a:bodyPr anchorCtr="0" anchor="b" bIns="91425" lIns="91425" spcFirstLastPara="1" rIns="91425" wrap="square" tIns="91425">
+            <a:noAutofit/>
+          </a:bodyPr>
+          <a:lstStyle/>
+          <a:p>
+            <a:pPr indent="0" lvl="0" marL="0" rtl="0" algn="l">
+              <a:spcBef>
+                <a:spcPts val="0"/>
+              </a:spcBef>
+              <a:spcAft>
+                <a:spcPts val="0"/>
+              </a:spcAft>
+              <a:buNone/>
+            </a:pPr>
+            <a:r>
+              <a:rPr lang="en"/>
+              <a:t>Live Demo</a:t>
+            </a:r>
+            <a:endParaRPr/>
+          </a:p>
+        </p:txBody>
+      </p:sp>
+      <p:sp>
+        <p:nvSpPr>
+          <p:cNvPr id="125" name="Google Shape;125;p24"/>
+          <p:cNvSpPr/>
+          <p:nvPr/>
+        </p:nvSpPr>
+        <p:spPr>
+          <a:xfrm>
+            <a:off x="4502875" y="2497475"/>
+            <a:ext cx="752100" cy="751500"/>
+          </a:xfrm>
+          <a:prstGeom prst="ellipse">
+            <a:avLst/>
+          </a:prstGeom>
+          <a:solidFill>
+            <a:srgbClr val="FF0000"/>
+          </a:solidFill>
+          <a:ln cap="flat" cmpd="sng" w="9525">
+            <a:solidFill>
+              <a:schemeClr val="dk2"/>
+            </a:solidFill>
+            <a:prstDash val="solid"/>
+            <a:round/>
+            <a:headEnd len="sm" w="sm" type="none"/>
+            <a:tailEnd len="sm" w="sm" type="none"/>
+          </a:ln>
+        </p:spPr>
+        <p:txBody>
+          <a:bodyPr anchorCtr="0" anchor="ctr" bIns="91425" lIns="91425" spcFirstLastPara="1" rIns="91425" wrap="square" tIns="91425">
+            <a:noAutofit/>
+          </a:bodyPr>
+          <a:lstStyle/>
+          <a:p>
+            <a:pPr indent="0" lvl="0" marL="0" rtl="0" algn="l">
+              <a:spcBef>
+                <a:spcPts val="0"/>
+              </a:spcBef>
+              <a:spcAft>
+                <a:spcPts val="0"/>
+              </a:spcAft>
+              <a:buNone/>
+            </a:pPr>
+            <a:r>
+              <a:t/>
+            </a:r>
+            <a:endParaRPr>
+              <a:solidFill>
+                <a:srgbClr val="FF0000"/>
+              </a:solidFill>
+            </a:endParaRPr>
+          </a:p>
+        </p:txBody>
+      </p:sp>
+    </p:spTree>
+  </p:cSld>
+  <p:clrMapOvr>
+    <a:masterClrMapping/>
+  </p:clrMapOvr>
+</p:sld>
+</file>
+
+<file path=ppt/slides/slide13.xml><?xml version="1.0" encoding="utf-8"?>
+<p:sld xmlns:a="http://schemas.openxmlformats.org/drawingml/2006/main" xmlns:r="http://schemas.openxmlformats.org/officeDocument/2006/relationships" xmlns:mc="http://schemas.openxmlformats.org/markup-compatibility/2006" xmlns:mv="urn:schemas-microsoft-com:mac:vml" xmlns:p="http://schemas.openxmlformats.org/presentationml/2006/main" xmlns:c="http://schemas.openxmlformats.org/drawingml/2006/chart" xmlns:dgm="http://schemas.openxmlformats.org/drawingml/2006/diagram" xmlns:o="urn:schemas-microsoft-com:office:office" xmlns:v="urn:schemas-microsoft-com:vml" xmlns:pvml="urn:schemas-microsoft-com:office:powerpoint" xmlns:com="http://schemas.openxmlformats.org/drawingml/2006/compatibility" xmlns:p14="http://schemas.microsoft.com/office/powerpoint/2010/main" xmlns:p15="http://schemas.microsoft.com/office/powerpoint/2012/main">
+  <p:cSld>
+    <p:spTree>
+      <p:nvGrpSpPr>
+        <p:cNvPr id="129" name="Shape 129"/>
+        <p:cNvGrpSpPr/>
+        <p:nvPr/>
+      </p:nvGrpSpPr>
+      <p:grpSpPr>
+        <a:xfrm>
+          <a:off x="0" y="0"/>
+          <a:ext cx="0" cy="0"/>
+          <a:chOff x="0" y="0"/>
+          <a:chExt cx="0" cy="0"/>
+        </a:xfrm>
+      </p:grpSpPr>
+      <p:sp>
+        <p:nvSpPr>
+          <p:cNvPr id="130" name="Google Shape;130;p25"/>
           <p:cNvSpPr txBox="1"/>
           <p:nvPr>
             <p:ph type="title"/>
@@ -7382,7 +7978,7 @@
       </p:sp>
       <p:sp>
         <p:nvSpPr>
-          <p:cNvPr id="115" name="Google Shape;115;p22"/>
+          <p:cNvPr id="131" name="Google Shape;131;p25"/>
           <p:cNvSpPr txBox="1"/>
           <p:nvPr>
             <p:ph idx="1" type="body"/>
@@ -7415,7 +8011,7 @@
             </a:pPr>
             <a:r>
               <a:rPr lang="en" sz="2400"/>
-              <a:t>Create “Hello World” Webapp using NodeJS</a:t>
+              <a:t>Create “Hello World” Webapp using NodeJS (5pts)</a:t>
             </a:r>
             <a:endParaRPr sz="2400"/>
           </a:p>
@@ -7432,7 +8028,7 @@
             </a:pPr>
             <a:r>
               <a:rPr lang="en" sz="2400"/>
-              <a:t>Make a function called Hello that display a greeting on Webapp’s main page</a:t>
+              <a:t>Make a function called Hello that display a greeting on Webapp’s main page (5pts)</a:t>
             </a:r>
             <a:endParaRPr sz="2400"/>
           </a:p>
@@ -7449,7 +8045,7 @@
             </a:pPr>
             <a:r>
               <a:rPr lang="en" sz="2400"/>
-              <a:t>Write test for the function’s output </a:t>
+              <a:t>Write test for the function’s output (10pts)</a:t>
             </a:r>
             <a:endParaRPr sz="2400"/>
           </a:p>
@@ -7466,7 +8062,7 @@
             </a:pPr>
             <a:r>
               <a:rPr lang="en" sz="2400"/>
-              <a:t>Run the test locally and see the result (test should pass)</a:t>
+              <a:t>Run the test locally and see the result (test should pass) (5pts)</a:t>
             </a:r>
             <a:endParaRPr sz="2400"/>
           </a:p>
@@ -7483,7 +8079,7 @@
             </a:pPr>
             <a:r>
               <a:rPr lang="en" sz="2400"/>
-              <a:t>Change the output of the Hello function and re-run the test (test should fail)</a:t>
+              <a:t>Change the output of the Hello function and re-run the test (test should fail) (50 pts)</a:t>
             </a:r>
             <a:endParaRPr sz="2400"/>
           </a:p>
@@ -7613,17 +8209,86 @@
                 <a:spcPts val="1600"/>
               </a:spcBef>
               <a:spcAft>
-                <a:spcPts val="1600"/>
+                <a:spcPts val="0"/>
               </a:spcAft>
               <a:buNone/>
             </a:pPr>
             <a:r>
               <a:rPr lang="en"/>
-              <a:t>Mocha is a JavaScript test framework for Node.js programs, featuring browser support, asynchronous testing, test coverage reports, and use of any assertion library</a:t>
+              <a:t>Mocha is a JavaScript test framework for Node.js programs.</a:t>
             </a:r>
+            <a:endParaRPr/>
+          </a:p>
+          <a:p>
+            <a:pPr indent="0" lvl="0" marL="0" rtl="0" algn="l">
+              <a:spcBef>
+                <a:spcPts val="1600"/>
+              </a:spcBef>
+              <a:spcAft>
+                <a:spcPts val="0"/>
+              </a:spcAft>
+              <a:buNone/>
+            </a:pPr>
             <a:r>
               <a:rPr lang="en"/>
-              <a:t>	</a:t>
+              <a:t>Open-source</a:t>
+            </a:r>
+            <a:endParaRPr/>
+          </a:p>
+          <a:p>
+            <a:pPr indent="0" lvl="0" marL="0" rtl="0" algn="l">
+              <a:spcBef>
+                <a:spcPts val="1600"/>
+              </a:spcBef>
+              <a:spcAft>
+                <a:spcPts val="0"/>
+              </a:spcAft>
+              <a:buNone/>
+            </a:pPr>
+            <a:r>
+              <a:rPr lang="en"/>
+              <a:t>Fullstack testing through additional packages</a:t>
+            </a:r>
+            <a:endParaRPr/>
+          </a:p>
+          <a:p>
+            <a:pPr indent="0" lvl="0" marL="0" rtl="0" algn="l">
+              <a:spcBef>
+                <a:spcPts val="1600"/>
+              </a:spcBef>
+              <a:spcAft>
+                <a:spcPts val="0"/>
+              </a:spcAft>
+              <a:buNone/>
+            </a:pPr>
+            <a:r>
+              <a:rPr lang="en"/>
+              <a:t>ChaiJS &amp; Puppeteer JS</a:t>
+            </a:r>
+            <a:endParaRPr/>
+          </a:p>
+          <a:p>
+            <a:pPr indent="0" lvl="0" marL="0" rtl="0" algn="l">
+              <a:spcBef>
+                <a:spcPts val="1600"/>
+              </a:spcBef>
+              <a:spcAft>
+                <a:spcPts val="1600"/>
+              </a:spcAft>
+              <a:buNone/>
+            </a:pPr>
+            <a:r>
+              <a:rPr lang="en" sz="1100" u="sng">
+                <a:solidFill>
+                  <a:schemeClr val="hlink"/>
+                </a:solidFill>
+                <a:latin typeface="Arial"/>
+                <a:ea typeface="Arial"/>
+                <a:cs typeface="Arial"/>
+                <a:sym typeface="Arial"/>
+                <a:hlinkClick r:id="rId3"/>
+              </a:rPr>
+              <a:t>https://mochajs.org/</a:t>
             </a:r>
             <a:endParaRPr/>
           </a:p>
@@ -7673,13 +8338,42 @@
                 <a:spcPts val="1600"/>
               </a:spcBef>
               <a:spcAft>
-                <a:spcPts val="1600"/>
+                <a:spcPts val="0"/>
               </a:spcAft>
               <a:buNone/>
             </a:pPr>
             <a:r>
               <a:rPr lang="en"/>
-              <a:t>Istanbul instruments your JavaScript code with line counters, so that you can track how well your unit-tests exercise your codebase.</a:t>
+              <a:t>Istanbul instruments your JavaScript code with line counters</a:t>
+            </a:r>
+            <a:endParaRPr/>
+          </a:p>
+          <a:p>
+            <a:pPr indent="0" lvl="0" marL="0" rtl="0" algn="l">
+              <a:spcBef>
+                <a:spcPts val="1600"/>
+              </a:spcBef>
+              <a:spcAft>
+                <a:spcPts val="1600"/>
+              </a:spcAft>
+              <a:buNone/>
+            </a:pPr>
+            <a:r>
+              <a:rPr lang="en" sz="1100" u="sng">
+                <a:solidFill>
+                  <a:schemeClr val="hlink"/>
+                </a:solidFill>
+                <a:latin typeface="Arial"/>
+                <a:ea typeface="Arial"/>
+                <a:cs typeface="Arial"/>
+                <a:sym typeface="Arial"/>
+                <a:hlinkClick r:id="rId4"/>
+              </a:rPr>
+              <a:t>https://istanbul.js.org/</a:t>
+            </a:r>
+            <a:r>
+              <a:rPr lang="en"/>
+              <a:t>.</a:t>
             </a:r>
             <a:endParaRPr/>
           </a:p>
@@ -7719,7 +8413,7 @@
             </a:pPr>
             <a:r>
               <a:rPr lang="en"/>
-              <a:t>Git (github)</a:t>
+              <a:t>Git </a:t>
             </a:r>
             <a:endParaRPr/>
           </a:p>
@@ -7729,15 +8423,39 @@
                 <a:spcPts val="1600"/>
               </a:spcBef>
               <a:spcAft>
-                <a:spcPts val="1600"/>
+                <a:spcPts val="0"/>
               </a:spcAft>
               <a:buNone/>
             </a:pPr>
             <a:r>
               <a:rPr lang="en"/>
-              <a:t>Git is a distributed version-control system for tracking changes in source code during software development. Its goals include speed, data integrity, and support for distributed, non-linear workflows.</a:t>
+              <a:t>Git is a distributed version-control system for tracking changes in source code during software development.</a:t>
             </a:r>
             <a:endParaRPr/>
+          </a:p>
+          <a:p>
+            <a:pPr indent="0" lvl="0" marL="0" rtl="0" algn="l">
+              <a:spcBef>
+                <a:spcPts val="1600"/>
+              </a:spcBef>
+              <a:spcAft>
+                <a:spcPts val="1600"/>
+              </a:spcAft>
+              <a:buNone/>
+            </a:pPr>
+            <a:r>
+              <a:rPr lang="en">
+                <a:solidFill>
+                  <a:schemeClr val="accent2"/>
+                </a:solidFill>
+              </a:rPr>
+              <a:t>(if you don’t know about git, do us a favor and please leave) </a:t>
+            </a:r>
+            <a:endParaRPr>
+              <a:solidFill>
+                <a:schemeClr val="accent2"/>
+              </a:solidFill>
+            </a:endParaRPr>
           </a:p>
         </p:txBody>
       </p:sp>
@@ -7775,7 +8493,7 @@
             </a:pPr>
             <a:r>
               <a:rPr lang="en"/>
-              <a:t>CircleCi (2.0)</a:t>
+              <a:t>CircleCi</a:t>
             </a:r>
             <a:endParaRPr/>
           </a:p>
@@ -7785,13 +8503,34 @@
                 <a:spcPts val="1600"/>
               </a:spcBef>
               <a:spcAft>
-                <a:spcPts val="1600"/>
+                <a:spcPts val="0"/>
               </a:spcAft>
               <a:buNone/>
             </a:pPr>
             <a:r>
               <a:rPr lang="en"/>
-              <a:t>CircleCI allows teams to rapidly build quality projects, at scale. Our mission is to give people everywhere the power to build and deliver software at the speed of imagination.</a:t>
+              <a:t>CircleCI allows teams to rapidly build quality projects, at scale. </a:t>
+            </a:r>
+            <a:endParaRPr/>
+          </a:p>
+          <a:p>
+            <a:pPr indent="0" lvl="0" marL="0" rtl="0" algn="l">
+              <a:spcBef>
+                <a:spcPts val="1600"/>
+              </a:spcBef>
+              <a:spcAft>
+                <a:spcPts val="1600"/>
+              </a:spcAft>
+              <a:buNone/>
+            </a:pPr>
+            <a:r>
+              <a:rPr lang="en" sz="1000" u="sng">
+                <a:solidFill>
+                  <a:schemeClr val="hlink"/>
+                </a:solidFill>
+                <a:hlinkClick r:id="rId5"/>
+              </a:rPr>
+              <a:t>https://circleci.com/product/</a:t>
             </a:r>
             <a:endParaRPr/>
           </a:p>
@@ -7838,6 +8577,400 @@
         </p:blipFill>
         <p:spPr>
           <a:xfrm>
+            <a:off x="2109400" y="152400"/>
+            <a:ext cx="6427129" cy="4838701"/>
+          </a:xfrm>
+          <a:prstGeom prst="rect">
+            <a:avLst/>
+          </a:prstGeom>
+          <a:noFill/>
+          <a:ln>
+            <a:noFill/>
+          </a:ln>
+        </p:spPr>
+      </p:pic>
+      <p:sp>
+        <p:nvSpPr>
+          <p:cNvPr id="76" name="Google Shape;76;p15"/>
+          <p:cNvSpPr txBox="1"/>
+          <p:nvPr>
+            <p:ph type="title"/>
+          </p:nvPr>
+        </p:nvSpPr>
+        <p:spPr>
+          <a:xfrm>
+            <a:off x="311700" y="445025"/>
+            <a:ext cx="1732500" cy="613200"/>
+          </a:xfrm>
+          <a:prstGeom prst="rect">
+            <a:avLst/>
+          </a:prstGeom>
+        </p:spPr>
+        <p:txBody>
+          <a:bodyPr anchorCtr="0" anchor="b" bIns="91425" lIns="91425" spcFirstLastPara="1" rIns="91425" wrap="square" tIns="91425">
+            <a:noAutofit/>
+          </a:bodyPr>
+          <a:lstStyle/>
+          <a:p>
+            <a:pPr indent="0" lvl="0" marL="0" rtl="0" algn="l">
+              <a:spcBef>
+                <a:spcPts val="0"/>
+              </a:spcBef>
+              <a:spcAft>
+                <a:spcPts val="0"/>
+              </a:spcAft>
+              <a:buNone/>
+            </a:pPr>
+            <a:r>
+              <a:rPr lang="en" sz="1800"/>
+              <a:t>Mocha’s feature</a:t>
+            </a:r>
+            <a:endParaRPr sz="1800">
+              <a:solidFill>
+                <a:schemeClr val="accent1"/>
+              </a:solidFill>
+            </a:endParaRPr>
+          </a:p>
+        </p:txBody>
+      </p:sp>
+    </p:spTree>
+  </p:cSld>
+  <p:clrMapOvr>
+    <a:masterClrMapping/>
+  </p:clrMapOvr>
+</p:sld>
+</file>
+
+<file path=ppt/slides/slide4.xml><?xml version="1.0" encoding="utf-8"?>
+<p:sld xmlns:a="http://schemas.openxmlformats.org/drawingml/2006/main" xmlns:r="http://schemas.openxmlformats.org/officeDocument/2006/relationships" xmlns:mc="http://schemas.openxmlformats.org/markup-compatibility/2006" xmlns:mv="urn:schemas-microsoft-com:mac:vml" xmlns:p="http://schemas.openxmlformats.org/presentationml/2006/main" xmlns:c="http://schemas.openxmlformats.org/drawingml/2006/chart" xmlns:dgm="http://schemas.openxmlformats.org/drawingml/2006/diagram" xmlns:o="urn:schemas-microsoft-com:office:office" xmlns:v="urn:schemas-microsoft-com:vml" xmlns:pvml="urn:schemas-microsoft-com:office:powerpoint" xmlns:com="http://schemas.openxmlformats.org/drawingml/2006/compatibility" xmlns:p14="http://schemas.microsoft.com/office/powerpoint/2010/main" xmlns:p15="http://schemas.microsoft.com/office/powerpoint/2012/main">
+  <p:cSld>
+    <p:spTree>
+      <p:nvGrpSpPr>
+        <p:cNvPr id="80" name="Shape 80"/>
+        <p:cNvGrpSpPr/>
+        <p:nvPr/>
+      </p:nvGrpSpPr>
+      <p:grpSpPr>
+        <a:xfrm>
+          <a:off x="0" y="0"/>
+          <a:ext cx="0" cy="0"/>
+          <a:chOff x="0" y="0"/>
+          <a:chExt cx="0" cy="0"/>
+        </a:xfrm>
+      </p:grpSpPr>
+      <p:pic>
+        <p:nvPicPr>
+          <p:cNvPr id="81" name="Google Shape;81;p16"/>
+          <p:cNvPicPr preferRelativeResize="0"/>
+          <p:nvPr/>
+        </p:nvPicPr>
+        <p:blipFill>
+          <a:blip r:embed="rId3">
+            <a:alphaModFix/>
+          </a:blip>
+          <a:stretch>
+            <a:fillRect/>
+          </a:stretch>
+        </p:blipFill>
+        <p:spPr>
+          <a:xfrm>
+            <a:off x="152400" y="152400"/>
+            <a:ext cx="8839200" cy="4607668"/>
+          </a:xfrm>
+          <a:prstGeom prst="rect">
+            <a:avLst/>
+          </a:prstGeom>
+          <a:noFill/>
+          <a:ln>
+            <a:noFill/>
+          </a:ln>
+        </p:spPr>
+      </p:pic>
+    </p:spTree>
+  </p:cSld>
+  <p:clrMapOvr>
+    <a:masterClrMapping/>
+  </p:clrMapOvr>
+</p:sld>
+</file>
+
+<file path=ppt/slides/slide5.xml><?xml version="1.0" encoding="utf-8"?>
+<p:sld xmlns:a="http://schemas.openxmlformats.org/drawingml/2006/main" xmlns:r="http://schemas.openxmlformats.org/officeDocument/2006/relationships" xmlns:mc="http://schemas.openxmlformats.org/markup-compatibility/2006" xmlns:mv="urn:schemas-microsoft-com:mac:vml" xmlns:p="http://schemas.openxmlformats.org/presentationml/2006/main" xmlns:c="http://schemas.openxmlformats.org/drawingml/2006/chart" xmlns:dgm="http://schemas.openxmlformats.org/drawingml/2006/diagram" xmlns:o="urn:schemas-microsoft-com:office:office" xmlns:v="urn:schemas-microsoft-com:vml" xmlns:pvml="urn:schemas-microsoft-com:office:powerpoint" xmlns:com="http://schemas.openxmlformats.org/drawingml/2006/compatibility" xmlns:p14="http://schemas.microsoft.com/office/powerpoint/2010/main" xmlns:p15="http://schemas.microsoft.com/office/powerpoint/2012/main">
+  <p:cSld>
+    <p:bg>
+      <p:bgPr>
+        <a:solidFill>
+          <a:schemeClr val="dk2"/>
+        </a:solidFill>
+      </p:bgPr>
+    </p:bg>
+    <p:spTree>
+      <p:nvGrpSpPr>
+        <p:cNvPr id="85" name="Shape 85"/>
+        <p:cNvGrpSpPr/>
+        <p:nvPr/>
+      </p:nvGrpSpPr>
+      <p:grpSpPr>
+        <a:xfrm>
+          <a:off x="0" y="0"/>
+          <a:ext cx="0" cy="0"/>
+          <a:chOff x="0" y="0"/>
+          <a:chExt cx="0" cy="0"/>
+        </a:xfrm>
+      </p:grpSpPr>
+      <p:sp>
+        <p:nvSpPr>
+          <p:cNvPr id="86" name="Google Shape;86;p17"/>
+          <p:cNvSpPr txBox="1"/>
+          <p:nvPr>
+            <p:ph type="title"/>
+          </p:nvPr>
+        </p:nvSpPr>
+        <p:spPr>
+          <a:xfrm>
+            <a:off x="311700" y="445025"/>
+            <a:ext cx="8520600" cy="613200"/>
+          </a:xfrm>
+          <a:prstGeom prst="rect">
+            <a:avLst/>
+          </a:prstGeom>
+        </p:spPr>
+        <p:txBody>
+          <a:bodyPr anchorCtr="0" anchor="t" bIns="91425" lIns="91425" spcFirstLastPara="1" rIns="91425" wrap="square" tIns="91425">
+            <a:noAutofit/>
+          </a:bodyPr>
+          <a:lstStyle/>
+          <a:p>
+            <a:pPr indent="0" lvl="0" marL="0" rtl="0" algn="l">
+              <a:spcBef>
+                <a:spcPts val="0"/>
+              </a:spcBef>
+              <a:spcAft>
+                <a:spcPts val="0"/>
+              </a:spcAft>
+              <a:buNone/>
+            </a:pPr>
+            <a:r>
+              <a:rPr lang="en" sz="3600">
+                <a:solidFill>
+                  <a:schemeClr val="accent1"/>
+                </a:solidFill>
+              </a:rPr>
+              <a:t>Workflow</a:t>
+            </a:r>
+            <a:endParaRPr sz="3600">
+              <a:solidFill>
+                <a:schemeClr val="accent1"/>
+              </a:solidFill>
+            </a:endParaRPr>
+          </a:p>
+        </p:txBody>
+      </p:sp>
+      <p:sp>
+        <p:nvSpPr>
+          <p:cNvPr id="87" name="Google Shape;87;p17"/>
+          <p:cNvSpPr txBox="1"/>
+          <p:nvPr>
+            <p:ph idx="1" type="body"/>
+          </p:nvPr>
+        </p:nvSpPr>
+        <p:spPr>
+          <a:xfrm>
+            <a:off x="311700" y="1453575"/>
+            <a:ext cx="7979100" cy="2924400"/>
+          </a:xfrm>
+          <a:prstGeom prst="rect">
+            <a:avLst/>
+          </a:prstGeom>
+        </p:spPr>
+        <p:txBody>
+          <a:bodyPr anchorCtr="0" anchor="t" bIns="91425" lIns="91425" spcFirstLastPara="1" rIns="91425" wrap="square" tIns="91425">
+            <a:noAutofit/>
+          </a:bodyPr>
+          <a:lstStyle/>
+          <a:p>
+            <a:pPr indent="-342900" lvl="0" marL="457200" rtl="0" algn="l">
+              <a:spcBef>
+                <a:spcPts val="0"/>
+              </a:spcBef>
+              <a:spcAft>
+                <a:spcPts val="0"/>
+              </a:spcAft>
+              <a:buClr>
+                <a:schemeClr val="accent1"/>
+              </a:buClr>
+              <a:buSzPts val="1800"/>
+              <a:buChar char="●"/>
+            </a:pPr>
+            <a:r>
+              <a:rPr lang="en" sz="1800">
+                <a:solidFill>
+                  <a:schemeClr val="accent1"/>
+                </a:solidFill>
+              </a:rPr>
+              <a:t>Create a Git repo for the app you are building with .gitignore setup to NodeJs</a:t>
+            </a:r>
+            <a:endParaRPr sz="1800">
+              <a:solidFill>
+                <a:schemeClr val="accent1"/>
+              </a:solidFill>
+            </a:endParaRPr>
+          </a:p>
+          <a:p>
+            <a:pPr indent="-342900" lvl="0" marL="457200" rtl="0" algn="l">
+              <a:spcBef>
+                <a:spcPts val="0"/>
+              </a:spcBef>
+              <a:spcAft>
+                <a:spcPts val="0"/>
+              </a:spcAft>
+              <a:buClr>
+                <a:schemeClr val="accent1"/>
+              </a:buClr>
+              <a:buSzPts val="1800"/>
+              <a:buChar char="●"/>
+            </a:pPr>
+            <a:r>
+              <a:rPr lang="en" sz="1800">
+                <a:solidFill>
+                  <a:schemeClr val="accent1"/>
+                </a:solidFill>
+              </a:rPr>
+              <a:t>Create a free CircleCI account and add your repo to the testing pipeline</a:t>
+            </a:r>
+            <a:endParaRPr sz="1800">
+              <a:solidFill>
+                <a:schemeClr val="accent1"/>
+              </a:solidFill>
+            </a:endParaRPr>
+          </a:p>
+          <a:p>
+            <a:pPr indent="-342900" lvl="0" marL="457200" rtl="0" algn="l">
+              <a:spcBef>
+                <a:spcPts val="0"/>
+              </a:spcBef>
+              <a:spcAft>
+                <a:spcPts val="0"/>
+              </a:spcAft>
+              <a:buClr>
+                <a:schemeClr val="accent1"/>
+              </a:buClr>
+              <a:buSzPts val="1800"/>
+              <a:buChar char="●"/>
+            </a:pPr>
+            <a:r>
+              <a:rPr lang="en" sz="1800">
+                <a:solidFill>
+                  <a:schemeClr val="accent1"/>
+                </a:solidFill>
+              </a:rPr>
+              <a:t>Clone your repo locally and add source codes for your app (npm init, npm install, all routes and js functions)</a:t>
+            </a:r>
+            <a:endParaRPr sz="1800">
+              <a:solidFill>
+                <a:schemeClr val="accent1"/>
+              </a:solidFill>
+            </a:endParaRPr>
+          </a:p>
+          <a:p>
+            <a:pPr indent="-342900" lvl="0" marL="457200" rtl="0" algn="l">
+              <a:spcBef>
+                <a:spcPts val="0"/>
+              </a:spcBef>
+              <a:spcAft>
+                <a:spcPts val="0"/>
+              </a:spcAft>
+              <a:buClr>
+                <a:schemeClr val="accent1"/>
+              </a:buClr>
+              <a:buSzPts val="1800"/>
+              <a:buChar char="●"/>
+            </a:pPr>
+            <a:r>
+              <a:rPr lang="en" sz="1800">
+                <a:solidFill>
+                  <a:schemeClr val="accent1"/>
+                </a:solidFill>
+              </a:rPr>
+              <a:t>Add .circleci/config.yml file to setup the parameters of the test</a:t>
+            </a:r>
+            <a:endParaRPr sz="1800">
+              <a:solidFill>
+                <a:schemeClr val="accent1"/>
+              </a:solidFill>
+            </a:endParaRPr>
+          </a:p>
+          <a:p>
+            <a:pPr indent="-342900" lvl="0" marL="457200" rtl="0" algn="l">
+              <a:spcBef>
+                <a:spcPts val="0"/>
+              </a:spcBef>
+              <a:spcAft>
+                <a:spcPts val="0"/>
+              </a:spcAft>
+              <a:buClr>
+                <a:schemeClr val="accent1"/>
+              </a:buClr>
+              <a:buSzPts val="1800"/>
+              <a:buChar char="●"/>
+            </a:pPr>
+            <a:r>
+              <a:rPr lang="en" sz="1800">
+                <a:solidFill>
+                  <a:schemeClr val="accent1"/>
+                </a:solidFill>
+              </a:rPr>
+              <a:t>Create a dev branch and protect your master branch using branch protection setup to passing CircleCI test</a:t>
+            </a:r>
+            <a:endParaRPr sz="1800">
+              <a:solidFill>
+                <a:schemeClr val="accent1"/>
+              </a:solidFill>
+            </a:endParaRPr>
+          </a:p>
+        </p:txBody>
+      </p:sp>
+    </p:spTree>
+  </p:cSld>
+  <p:clrMapOvr>
+    <a:masterClrMapping/>
+  </p:clrMapOvr>
+</p:sld>
+</file>
+
+<file path=ppt/slides/slide6.xml><?xml version="1.0" encoding="utf-8"?>
+<p:sld xmlns:a="http://schemas.openxmlformats.org/drawingml/2006/main" xmlns:r="http://schemas.openxmlformats.org/officeDocument/2006/relationships" xmlns:mc="http://schemas.openxmlformats.org/markup-compatibility/2006" xmlns:mv="urn:schemas-microsoft-com:mac:vml" xmlns:p="http://schemas.openxmlformats.org/presentationml/2006/main" xmlns:c="http://schemas.openxmlformats.org/drawingml/2006/chart" xmlns:dgm="http://schemas.openxmlformats.org/drawingml/2006/diagram" xmlns:o="urn:schemas-microsoft-com:office:office" xmlns:v="urn:schemas-microsoft-com:vml" xmlns:pvml="urn:schemas-microsoft-com:office:powerpoint" xmlns:com="http://schemas.openxmlformats.org/drawingml/2006/compatibility" xmlns:p14="http://schemas.microsoft.com/office/powerpoint/2010/main" xmlns:p15="http://schemas.microsoft.com/office/powerpoint/2012/main">
+  <p:cSld>
+    <p:spTree>
+      <p:nvGrpSpPr>
+        <p:cNvPr id="91" name="Shape 91"/>
+        <p:cNvGrpSpPr/>
+        <p:nvPr/>
+      </p:nvGrpSpPr>
+      <p:grpSpPr>
+        <a:xfrm>
+          <a:off x="0" y="0"/>
+          <a:ext cx="0" cy="0"/>
+          <a:chOff x="0" y="0"/>
+          <a:chExt cx="0" cy="0"/>
+        </a:xfrm>
+      </p:grpSpPr>
+      <p:pic>
+        <p:nvPicPr>
+          <p:cNvPr id="92" name="Google Shape;92;p18"/>
+          <p:cNvPicPr preferRelativeResize="0"/>
+          <p:nvPr/>
+        </p:nvPicPr>
+        <p:blipFill>
+          <a:blip r:embed="rId3">
+            <a:alphaModFix/>
+          </a:blip>
+          <a:stretch>
+            <a:fillRect/>
+          </a:stretch>
+        </p:blipFill>
+        <p:spPr>
+          <a:xfrm>
             <a:off x="217375" y="115250"/>
             <a:ext cx="8602132" cy="4838699"/>
           </a:xfrm>
@@ -7858,12 +8991,19 @@
 </p:sld>
 </file>
 
-<file path=ppt/slides/slide4.xml><?xml version="1.0" encoding="utf-8"?>
+<file path=ppt/slides/slide7.xml><?xml version="1.0" encoding="utf-8"?>
 <p:sld xmlns:a="http://schemas.openxmlformats.org/drawingml/2006/main" xmlns:r="http://schemas.openxmlformats.org/officeDocument/2006/relationships" xmlns:mc="http://schemas.openxmlformats.org/markup-compatibility/2006" xmlns:mv="urn:schemas-microsoft-com:mac:vml" xmlns:p="http://schemas.openxmlformats.org/presentationml/2006/main" xmlns:c="http://schemas.openxmlformats.org/drawingml/2006/chart" xmlns:dgm="http://schemas.openxmlformats.org/drawingml/2006/diagram" xmlns:o="urn:schemas-microsoft-com:office:office" xmlns:v="urn:schemas-microsoft-com:vml" xmlns:pvml="urn:schemas-microsoft-com:office:powerpoint" xmlns:com="http://schemas.openxmlformats.org/drawingml/2006/compatibility" xmlns:p14="http://schemas.microsoft.com/office/powerpoint/2010/main" xmlns:p15="http://schemas.microsoft.com/office/powerpoint/2012/main">
   <p:cSld>
+    <p:bg>
+      <p:bgPr>
+        <a:solidFill>
+          <a:schemeClr val="dk2"/>
+        </a:solidFill>
+      </p:bgPr>
+    </p:bg>
     <p:spTree>
       <p:nvGrpSpPr>
-        <p:cNvPr id="79" name="Shape 79"/>
+        <p:cNvPr id="96" name="Shape 96"/>
         <p:cNvGrpSpPr/>
         <p:nvPr/>
       </p:nvGrpSpPr>
@@ -7877,7 +9017,244 @@
       </p:grpSpPr>
       <p:sp>
         <p:nvSpPr>
-          <p:cNvPr id="80" name="Google Shape;80;p16"/>
+          <p:cNvPr id="97" name="Google Shape;97;p19"/>
+          <p:cNvSpPr txBox="1"/>
+          <p:nvPr>
+            <p:ph type="title"/>
+          </p:nvPr>
+        </p:nvSpPr>
+        <p:spPr>
+          <a:xfrm>
+            <a:off x="311700" y="445025"/>
+            <a:ext cx="8520600" cy="613200"/>
+          </a:xfrm>
+          <a:prstGeom prst="rect">
+            <a:avLst/>
+          </a:prstGeom>
+        </p:spPr>
+        <p:txBody>
+          <a:bodyPr anchorCtr="0" anchor="t" bIns="91425" lIns="91425" spcFirstLastPara="1" rIns="91425" wrap="square" tIns="91425">
+            <a:noAutofit/>
+          </a:bodyPr>
+          <a:lstStyle/>
+          <a:p>
+            <a:pPr indent="0" lvl="0" marL="0" rtl="0" algn="l">
+              <a:spcBef>
+                <a:spcPts val="0"/>
+              </a:spcBef>
+              <a:spcAft>
+                <a:spcPts val="0"/>
+              </a:spcAft>
+              <a:buNone/>
+            </a:pPr>
+            <a:r>
+              <a:rPr lang="en" sz="3600">
+                <a:solidFill>
+                  <a:schemeClr val="accent1"/>
+                </a:solidFill>
+              </a:rPr>
+              <a:t>Workflow (continued)</a:t>
+            </a:r>
+            <a:endParaRPr sz="3600">
+              <a:solidFill>
+                <a:schemeClr val="accent1"/>
+              </a:solidFill>
+            </a:endParaRPr>
+          </a:p>
+        </p:txBody>
+      </p:sp>
+      <p:sp>
+        <p:nvSpPr>
+          <p:cNvPr id="98" name="Google Shape;98;p19"/>
+          <p:cNvSpPr txBox="1"/>
+          <p:nvPr>
+            <p:ph idx="1" type="body"/>
+          </p:nvPr>
+        </p:nvSpPr>
+        <p:spPr>
+          <a:xfrm>
+            <a:off x="311700" y="1583550"/>
+            <a:ext cx="7710000" cy="2451000"/>
+          </a:xfrm>
+          <a:prstGeom prst="rect">
+            <a:avLst/>
+          </a:prstGeom>
+        </p:spPr>
+        <p:txBody>
+          <a:bodyPr anchorCtr="0" anchor="t" bIns="91425" lIns="91425" spcFirstLastPara="1" rIns="91425" wrap="square" tIns="91425">
+            <a:noAutofit/>
+          </a:bodyPr>
+          <a:lstStyle/>
+          <a:p>
+            <a:pPr indent="-342900" lvl="0" marL="457200" rtl="0" algn="l">
+              <a:spcBef>
+                <a:spcPts val="0"/>
+              </a:spcBef>
+              <a:spcAft>
+                <a:spcPts val="0"/>
+              </a:spcAft>
+              <a:buClr>
+                <a:schemeClr val="accent1"/>
+              </a:buClr>
+              <a:buSzPts val="1800"/>
+              <a:buChar char="●"/>
+            </a:pPr>
+            <a:r>
+              <a:rPr lang="en" sz="1800">
+                <a:solidFill>
+                  <a:schemeClr val="accent1"/>
+                </a:solidFill>
+              </a:rPr>
+              <a:t>Install  mocha and nyc (Istanbul) as dev dependencies</a:t>
+            </a:r>
+            <a:endParaRPr sz="1800">
+              <a:solidFill>
+                <a:schemeClr val="accent1"/>
+              </a:solidFill>
+            </a:endParaRPr>
+          </a:p>
+          <a:p>
+            <a:pPr indent="-342900" lvl="0" marL="457200" rtl="0" algn="l">
+              <a:spcBef>
+                <a:spcPts val="0"/>
+              </a:spcBef>
+              <a:spcAft>
+                <a:spcPts val="0"/>
+              </a:spcAft>
+              <a:buClr>
+                <a:schemeClr val="accent1"/>
+              </a:buClr>
+              <a:buSzPts val="1800"/>
+              <a:buChar char="●"/>
+            </a:pPr>
+            <a:r>
+              <a:rPr lang="en" sz="1800">
+                <a:solidFill>
+                  <a:schemeClr val="accent1"/>
+                </a:solidFill>
+              </a:rPr>
+              <a:t>Create a test/ directory in the root directory of your project. It will contain all the source code to test your app’s source codes</a:t>
+            </a:r>
+            <a:endParaRPr sz="1800">
+              <a:solidFill>
+                <a:schemeClr val="accent1"/>
+              </a:solidFill>
+            </a:endParaRPr>
+          </a:p>
+          <a:p>
+            <a:pPr indent="-342900" lvl="0" marL="457200" rtl="0" algn="l">
+              <a:spcBef>
+                <a:spcPts val="0"/>
+              </a:spcBef>
+              <a:spcAft>
+                <a:spcPts val="0"/>
+              </a:spcAft>
+              <a:buClr>
+                <a:schemeClr val="accent1"/>
+              </a:buClr>
+              <a:buSzPts val="1800"/>
+              <a:buChar char="●"/>
+            </a:pPr>
+            <a:r>
+              <a:rPr lang="en" sz="1800">
+                <a:solidFill>
+                  <a:schemeClr val="accent1"/>
+                </a:solidFill>
+              </a:rPr>
+              <a:t>Setup couple of tests </a:t>
+            </a:r>
+            <a:endParaRPr sz="1800">
+              <a:solidFill>
+                <a:schemeClr val="accent1"/>
+              </a:solidFill>
+            </a:endParaRPr>
+          </a:p>
+          <a:p>
+            <a:pPr indent="-342900" lvl="0" marL="457200" rtl="0" algn="l">
+              <a:spcBef>
+                <a:spcPts val="0"/>
+              </a:spcBef>
+              <a:spcAft>
+                <a:spcPts val="0"/>
+              </a:spcAft>
+              <a:buClr>
+                <a:schemeClr val="accent1"/>
+              </a:buClr>
+              <a:buSzPts val="1800"/>
+              <a:buChar char="●"/>
+            </a:pPr>
+            <a:r>
+              <a:rPr lang="en" sz="1800">
+                <a:solidFill>
+                  <a:schemeClr val="accent1"/>
+                </a:solidFill>
+              </a:rPr>
+              <a:t>Add testing scripts to your package.json file for testing and code coverage</a:t>
+            </a:r>
+            <a:endParaRPr sz="1800">
+              <a:solidFill>
+                <a:schemeClr val="accent1"/>
+              </a:solidFill>
+            </a:endParaRPr>
+          </a:p>
+          <a:p>
+            <a:pPr indent="-342900" lvl="0" marL="457200" rtl="0" algn="l">
+              <a:spcBef>
+                <a:spcPts val="0"/>
+              </a:spcBef>
+              <a:spcAft>
+                <a:spcPts val="0"/>
+              </a:spcAft>
+              <a:buClr>
+                <a:schemeClr val="accent1"/>
+              </a:buClr>
+              <a:buSzPts val="1800"/>
+              <a:buChar char="●"/>
+            </a:pPr>
+            <a:r>
+              <a:rPr lang="en" sz="1800">
+                <a:solidFill>
+                  <a:schemeClr val="accent1"/>
+                </a:solidFill>
+              </a:rPr>
+              <a:t>Run test locally (Should pass!)</a:t>
+            </a:r>
+            <a:endParaRPr sz="1800">
+              <a:solidFill>
+                <a:schemeClr val="accent1"/>
+              </a:solidFill>
+            </a:endParaRPr>
+          </a:p>
+        </p:txBody>
+      </p:sp>
+    </p:spTree>
+  </p:cSld>
+  <p:clrMapOvr>
+    <a:masterClrMapping/>
+  </p:clrMapOvr>
+</p:sld>
+</file>
+
+<file path=ppt/slides/slide8.xml><?xml version="1.0" encoding="utf-8"?>
+<p:sld xmlns:a="http://schemas.openxmlformats.org/drawingml/2006/main" xmlns:r="http://schemas.openxmlformats.org/officeDocument/2006/relationships" xmlns:mc="http://schemas.openxmlformats.org/markup-compatibility/2006" xmlns:mv="urn:schemas-microsoft-com:mac:vml" xmlns:p="http://schemas.openxmlformats.org/presentationml/2006/main" xmlns:c="http://schemas.openxmlformats.org/drawingml/2006/chart" xmlns:dgm="http://schemas.openxmlformats.org/drawingml/2006/diagram" xmlns:o="urn:schemas-microsoft-com:office:office" xmlns:v="urn:schemas-microsoft-com:vml" xmlns:pvml="urn:schemas-microsoft-com:office:powerpoint" xmlns:com="http://schemas.openxmlformats.org/drawingml/2006/compatibility" xmlns:p14="http://schemas.microsoft.com/office/powerpoint/2010/main" xmlns:p15="http://schemas.microsoft.com/office/powerpoint/2012/main">
+  <p:cSld>
+    <p:spTree>
+      <p:nvGrpSpPr>
+        <p:cNvPr id="102" name="Shape 102"/>
+        <p:cNvGrpSpPr/>
+        <p:nvPr/>
+      </p:nvGrpSpPr>
+      <p:grpSpPr>
+        <a:xfrm>
+          <a:off x="0" y="0"/>
+          <a:ext cx="0" cy="0"/>
+          <a:chOff x="0" y="0"/>
+          <a:chExt cx="0" cy="0"/>
+        </a:xfrm>
+      </p:grpSpPr>
+      <p:sp>
+        <p:nvSpPr>
+          <p:cNvPr id="103" name="Google Shape;103;p20"/>
           <p:cNvSpPr txBox="1"/>
           <p:nvPr>
             <p:ph type="title"/>
@@ -7927,12 +9304,12 @@
 </p:sld>
 </file>
 
-<file path=ppt/slides/slide5.xml><?xml version="1.0" encoding="utf-8"?>
+<file path=ppt/slides/slide9.xml><?xml version="1.0" encoding="utf-8"?>
 <p:sld xmlns:a="http://schemas.openxmlformats.org/drawingml/2006/main" xmlns:r="http://schemas.openxmlformats.org/officeDocument/2006/relationships" xmlns:mc="http://schemas.openxmlformats.org/markup-compatibility/2006" xmlns:mv="urn:schemas-microsoft-com:mac:vml" xmlns:p="http://schemas.openxmlformats.org/presentationml/2006/main" xmlns:c="http://schemas.openxmlformats.org/drawingml/2006/chart" xmlns:dgm="http://schemas.openxmlformats.org/drawingml/2006/diagram" xmlns:o="urn:schemas-microsoft-com:office:office" xmlns:v="urn:schemas-microsoft-com:vml" xmlns:pvml="urn:schemas-microsoft-com:office:powerpoint" xmlns:com="http://schemas.openxmlformats.org/drawingml/2006/compatibility" xmlns:p14="http://schemas.microsoft.com/office/powerpoint/2010/main" xmlns:p15="http://schemas.microsoft.com/office/powerpoint/2012/main">
   <p:cSld>
     <p:spTree>
       <p:nvGrpSpPr>
-        <p:cNvPr id="84" name="Shape 84"/>
+        <p:cNvPr id="107" name="Shape 107"/>
         <p:cNvGrpSpPr/>
         <p:nvPr/>
       </p:nvGrpSpPr>
@@ -7946,7 +9323,7 @@
       </p:grpSpPr>
       <p:pic>
         <p:nvPicPr>
-          <p:cNvPr id="85" name="Google Shape;85;p17"/>
+          <p:cNvPr id="108" name="Google Shape;108;p21"/>
           <p:cNvPicPr preferRelativeResize="0"/>
           <p:nvPr/>
         </p:nvPicPr>
@@ -7972,738 +9349,6 @@
           </a:ln>
         </p:spPr>
       </p:pic>
-    </p:spTree>
-  </p:cSld>
-  <p:clrMapOvr>
-    <a:masterClrMapping/>
-  </p:clrMapOvr>
-</p:sld>
-</file>
-
-<file path=ppt/slides/slide6.xml><?xml version="1.0" encoding="utf-8"?>
-<p:sld xmlns:a="http://schemas.openxmlformats.org/drawingml/2006/main" xmlns:r="http://schemas.openxmlformats.org/officeDocument/2006/relationships" xmlns:mc="http://schemas.openxmlformats.org/markup-compatibility/2006" xmlns:mv="urn:schemas-microsoft-com:mac:vml" xmlns:p="http://schemas.openxmlformats.org/presentationml/2006/main" xmlns:c="http://schemas.openxmlformats.org/drawingml/2006/chart" xmlns:dgm="http://schemas.openxmlformats.org/drawingml/2006/diagram" xmlns:o="urn:schemas-microsoft-com:office:office" xmlns:v="urn:schemas-microsoft-com:vml" xmlns:pvml="urn:schemas-microsoft-com:office:powerpoint" xmlns:com="http://schemas.openxmlformats.org/drawingml/2006/compatibility" xmlns:p14="http://schemas.microsoft.com/office/powerpoint/2010/main" xmlns:p15="http://schemas.microsoft.com/office/powerpoint/2012/main">
-  <p:cSld>
-    <p:bg>
-      <p:bgPr>
-        <a:solidFill>
-          <a:schemeClr val="dk2"/>
-        </a:solidFill>
-      </p:bgPr>
-    </p:bg>
-    <p:spTree>
-      <p:nvGrpSpPr>
-        <p:cNvPr id="89" name="Shape 89"/>
-        <p:cNvGrpSpPr/>
-        <p:nvPr/>
-      </p:nvGrpSpPr>
-      <p:grpSpPr>
-        <a:xfrm>
-          <a:off x="0" y="0"/>
-          <a:ext cx="0" cy="0"/>
-          <a:chOff x="0" y="0"/>
-          <a:chExt cx="0" cy="0"/>
-        </a:xfrm>
-      </p:grpSpPr>
-      <p:sp>
-        <p:nvSpPr>
-          <p:cNvPr id="90" name="Google Shape;90;p18"/>
-          <p:cNvSpPr txBox="1"/>
-          <p:nvPr>
-            <p:ph type="title"/>
-          </p:nvPr>
-        </p:nvSpPr>
-        <p:spPr>
-          <a:xfrm>
-            <a:off x="311700" y="445025"/>
-            <a:ext cx="8520600" cy="613200"/>
-          </a:xfrm>
-          <a:prstGeom prst="rect">
-            <a:avLst/>
-          </a:prstGeom>
-        </p:spPr>
-        <p:txBody>
-          <a:bodyPr anchorCtr="0" anchor="t" bIns="91425" lIns="91425" spcFirstLastPara="1" rIns="91425" wrap="square" tIns="91425">
-            <a:noAutofit/>
-          </a:bodyPr>
-          <a:lstStyle/>
-          <a:p>
-            <a:pPr indent="0" lvl="0" marL="0" rtl="0" algn="l">
-              <a:spcBef>
-                <a:spcPts val="0"/>
-              </a:spcBef>
-              <a:spcAft>
-                <a:spcPts val="0"/>
-              </a:spcAft>
-              <a:buNone/>
-            </a:pPr>
-            <a:r>
-              <a:rPr lang="en" sz="3600">
-                <a:solidFill>
-                  <a:schemeClr val="accent1"/>
-                </a:solidFill>
-              </a:rPr>
-              <a:t>Workflow</a:t>
-            </a:r>
-            <a:endParaRPr sz="3600">
-              <a:solidFill>
-                <a:schemeClr val="accent1"/>
-              </a:solidFill>
-            </a:endParaRPr>
-          </a:p>
-        </p:txBody>
-      </p:sp>
-      <p:sp>
-        <p:nvSpPr>
-          <p:cNvPr id="91" name="Google Shape;91;p18"/>
-          <p:cNvSpPr txBox="1"/>
-          <p:nvPr>
-            <p:ph idx="1" type="body"/>
-          </p:nvPr>
-        </p:nvSpPr>
-        <p:spPr>
-          <a:xfrm>
-            <a:off x="311700" y="1171675"/>
-            <a:ext cx="3999900" cy="3693300"/>
-          </a:xfrm>
-          <a:prstGeom prst="rect">
-            <a:avLst/>
-          </a:prstGeom>
-        </p:spPr>
-        <p:txBody>
-          <a:bodyPr anchorCtr="0" anchor="t" bIns="91425" lIns="91425" spcFirstLastPara="1" rIns="91425" wrap="square" tIns="91425">
-            <a:noAutofit/>
-          </a:bodyPr>
-          <a:lstStyle/>
-          <a:p>
-            <a:pPr indent="-317500" lvl="0" marL="457200" rtl="0" algn="l">
-              <a:spcBef>
-                <a:spcPts val="0"/>
-              </a:spcBef>
-              <a:spcAft>
-                <a:spcPts val="0"/>
-              </a:spcAft>
-              <a:buClr>
-                <a:schemeClr val="accent1"/>
-              </a:buClr>
-              <a:buSzPts val="1400"/>
-              <a:buChar char="●"/>
-            </a:pPr>
-            <a:r>
-              <a:rPr lang="en">
-                <a:solidFill>
-                  <a:schemeClr val="accent1"/>
-                </a:solidFill>
-              </a:rPr>
-              <a:t>Create a Git repo for the app you are building with .gitignore setup to NodeJs</a:t>
-            </a:r>
-            <a:endParaRPr>
-              <a:solidFill>
-                <a:schemeClr val="accent1"/>
-              </a:solidFill>
-            </a:endParaRPr>
-          </a:p>
-          <a:p>
-            <a:pPr indent="-317500" lvl="0" marL="457200" rtl="0" algn="l">
-              <a:spcBef>
-                <a:spcPts val="0"/>
-              </a:spcBef>
-              <a:spcAft>
-                <a:spcPts val="0"/>
-              </a:spcAft>
-              <a:buClr>
-                <a:schemeClr val="accent1"/>
-              </a:buClr>
-              <a:buSzPts val="1400"/>
-              <a:buChar char="●"/>
-            </a:pPr>
-            <a:r>
-              <a:rPr lang="en">
-                <a:solidFill>
-                  <a:schemeClr val="accent1"/>
-                </a:solidFill>
-              </a:rPr>
-              <a:t>Create a free CircleCI account and add your repo to the testing pipeline</a:t>
-            </a:r>
-            <a:endParaRPr>
-              <a:solidFill>
-                <a:schemeClr val="accent1"/>
-              </a:solidFill>
-            </a:endParaRPr>
-          </a:p>
-          <a:p>
-            <a:pPr indent="-317500" lvl="0" marL="457200" rtl="0" algn="l">
-              <a:spcBef>
-                <a:spcPts val="0"/>
-              </a:spcBef>
-              <a:spcAft>
-                <a:spcPts val="0"/>
-              </a:spcAft>
-              <a:buClr>
-                <a:schemeClr val="accent1"/>
-              </a:buClr>
-              <a:buSzPts val="1400"/>
-              <a:buChar char="●"/>
-            </a:pPr>
-            <a:r>
-              <a:rPr lang="en">
-                <a:solidFill>
-                  <a:schemeClr val="accent1"/>
-                </a:solidFill>
-              </a:rPr>
-              <a:t>Clone your repo locally and add source codes for your app (npm init, npm install, all routes and js functions)</a:t>
-            </a:r>
-            <a:endParaRPr>
-              <a:solidFill>
-                <a:schemeClr val="accent1"/>
-              </a:solidFill>
-            </a:endParaRPr>
-          </a:p>
-          <a:p>
-            <a:pPr indent="-317500" lvl="0" marL="457200" rtl="0" algn="l">
-              <a:spcBef>
-                <a:spcPts val="0"/>
-              </a:spcBef>
-              <a:spcAft>
-                <a:spcPts val="0"/>
-              </a:spcAft>
-              <a:buClr>
-                <a:schemeClr val="accent1"/>
-              </a:buClr>
-              <a:buSzPts val="1400"/>
-              <a:buChar char="●"/>
-            </a:pPr>
-            <a:r>
-              <a:rPr lang="en">
-                <a:solidFill>
-                  <a:schemeClr val="accent1"/>
-                </a:solidFill>
-              </a:rPr>
-              <a:t>Add .circleci/config.yml file to setup the parameters of the test</a:t>
-            </a:r>
-            <a:endParaRPr>
-              <a:solidFill>
-                <a:schemeClr val="accent1"/>
-              </a:solidFill>
-            </a:endParaRPr>
-          </a:p>
-          <a:p>
-            <a:pPr indent="-317500" lvl="0" marL="457200" rtl="0" algn="l">
-              <a:spcBef>
-                <a:spcPts val="0"/>
-              </a:spcBef>
-              <a:spcAft>
-                <a:spcPts val="0"/>
-              </a:spcAft>
-              <a:buClr>
-                <a:schemeClr val="accent1"/>
-              </a:buClr>
-              <a:buSzPts val="1400"/>
-              <a:buChar char="●"/>
-            </a:pPr>
-            <a:r>
-              <a:rPr lang="en">
-                <a:solidFill>
-                  <a:schemeClr val="accent1"/>
-                </a:solidFill>
-              </a:rPr>
-              <a:t>Install  mocha and nyc (Istanbul) as dev dependencies</a:t>
-            </a:r>
-            <a:endParaRPr>
-              <a:solidFill>
-                <a:schemeClr val="accent1"/>
-              </a:solidFill>
-            </a:endParaRPr>
-          </a:p>
-        </p:txBody>
-      </p:sp>
-      <p:sp>
-        <p:nvSpPr>
-          <p:cNvPr id="92" name="Google Shape;92;p18"/>
-          <p:cNvSpPr txBox="1"/>
-          <p:nvPr>
-            <p:ph idx="2" type="body"/>
-          </p:nvPr>
-        </p:nvSpPr>
-        <p:spPr>
-          <a:xfrm>
-            <a:off x="4832400" y="789175"/>
-            <a:ext cx="3999900" cy="3779700"/>
-          </a:xfrm>
-          <a:prstGeom prst="rect">
-            <a:avLst/>
-          </a:prstGeom>
-        </p:spPr>
-        <p:txBody>
-          <a:bodyPr anchorCtr="0" anchor="t" bIns="91425" lIns="91425" spcFirstLastPara="1" rIns="91425" wrap="square" tIns="91425">
-            <a:noAutofit/>
-          </a:bodyPr>
-          <a:lstStyle/>
-          <a:p>
-            <a:pPr indent="-317500" lvl="0" marL="457200" rtl="0" algn="l">
-              <a:spcBef>
-                <a:spcPts val="0"/>
-              </a:spcBef>
-              <a:spcAft>
-                <a:spcPts val="0"/>
-              </a:spcAft>
-              <a:buClr>
-                <a:schemeClr val="accent1"/>
-              </a:buClr>
-              <a:buSzPts val="1400"/>
-              <a:buChar char="●"/>
-            </a:pPr>
-            <a:r>
-              <a:rPr lang="en">
-                <a:solidFill>
-                  <a:schemeClr val="accent1"/>
-                </a:solidFill>
-              </a:rPr>
-              <a:t>Create a test/ directory in the root directory of your project. It will contain all the source code to test your app’s source codes</a:t>
-            </a:r>
-            <a:endParaRPr>
-              <a:solidFill>
-                <a:schemeClr val="accent1"/>
-              </a:solidFill>
-            </a:endParaRPr>
-          </a:p>
-          <a:p>
-            <a:pPr indent="-317500" lvl="0" marL="457200" rtl="0" algn="l">
-              <a:spcBef>
-                <a:spcPts val="0"/>
-              </a:spcBef>
-              <a:spcAft>
-                <a:spcPts val="0"/>
-              </a:spcAft>
-              <a:buClr>
-                <a:schemeClr val="accent1"/>
-              </a:buClr>
-              <a:buSzPts val="1400"/>
-              <a:buChar char="●"/>
-            </a:pPr>
-            <a:r>
-              <a:rPr lang="en">
-                <a:solidFill>
-                  <a:schemeClr val="accent1"/>
-                </a:solidFill>
-              </a:rPr>
-              <a:t>Setup couple of tests </a:t>
-            </a:r>
-            <a:endParaRPr>
-              <a:solidFill>
-                <a:schemeClr val="accent1"/>
-              </a:solidFill>
-            </a:endParaRPr>
-          </a:p>
-          <a:p>
-            <a:pPr indent="-317500" lvl="0" marL="457200" rtl="0" algn="l">
-              <a:spcBef>
-                <a:spcPts val="0"/>
-              </a:spcBef>
-              <a:spcAft>
-                <a:spcPts val="0"/>
-              </a:spcAft>
-              <a:buClr>
-                <a:schemeClr val="accent1"/>
-              </a:buClr>
-              <a:buSzPts val="1400"/>
-              <a:buChar char="●"/>
-            </a:pPr>
-            <a:r>
-              <a:rPr lang="en">
-                <a:solidFill>
-                  <a:schemeClr val="accent1"/>
-                </a:solidFill>
-              </a:rPr>
-              <a:t>Add testing scripts to your package.json file for testing and code coverage</a:t>
-            </a:r>
-            <a:endParaRPr>
-              <a:solidFill>
-                <a:schemeClr val="accent1"/>
-              </a:solidFill>
-            </a:endParaRPr>
-          </a:p>
-          <a:p>
-            <a:pPr indent="-317500" lvl="0" marL="457200" rtl="0" algn="l">
-              <a:spcBef>
-                <a:spcPts val="0"/>
-              </a:spcBef>
-              <a:spcAft>
-                <a:spcPts val="0"/>
-              </a:spcAft>
-              <a:buClr>
-                <a:schemeClr val="accent1"/>
-              </a:buClr>
-              <a:buSzPts val="1400"/>
-              <a:buChar char="●"/>
-            </a:pPr>
-            <a:r>
-              <a:rPr lang="en">
-                <a:solidFill>
-                  <a:schemeClr val="accent1"/>
-                </a:solidFill>
-              </a:rPr>
-              <a:t>Run test locally (Should pass!)</a:t>
-            </a:r>
-            <a:endParaRPr>
-              <a:solidFill>
-                <a:schemeClr val="accent1"/>
-              </a:solidFill>
-            </a:endParaRPr>
-          </a:p>
-          <a:p>
-            <a:pPr indent="-317500" lvl="0" marL="457200" rtl="0" algn="l">
-              <a:spcBef>
-                <a:spcPts val="0"/>
-              </a:spcBef>
-              <a:spcAft>
-                <a:spcPts val="0"/>
-              </a:spcAft>
-              <a:buClr>
-                <a:schemeClr val="accent1"/>
-              </a:buClr>
-              <a:buSzPts val="1400"/>
-              <a:buChar char="●"/>
-            </a:pPr>
-            <a:r>
-              <a:rPr lang="en">
-                <a:solidFill>
-                  <a:schemeClr val="accent1"/>
-                </a:solidFill>
-              </a:rPr>
-              <a:t>Commit and Push your changes to origin/master</a:t>
-            </a:r>
-            <a:endParaRPr>
-              <a:solidFill>
-                <a:schemeClr val="accent1"/>
-              </a:solidFill>
-            </a:endParaRPr>
-          </a:p>
-          <a:p>
-            <a:pPr indent="-317500" lvl="0" marL="457200" rtl="0" algn="l">
-              <a:spcBef>
-                <a:spcPts val="0"/>
-              </a:spcBef>
-              <a:spcAft>
-                <a:spcPts val="0"/>
-              </a:spcAft>
-              <a:buClr>
-                <a:schemeClr val="accent1"/>
-              </a:buClr>
-              <a:buSzPts val="1400"/>
-              <a:buChar char="●"/>
-            </a:pPr>
-            <a:r>
-              <a:rPr lang="en">
-                <a:solidFill>
-                  <a:schemeClr val="accent1"/>
-                </a:solidFill>
-              </a:rPr>
-              <a:t>Create a dev branch and protect your master branch using branch protection setup to passing CircleCI test</a:t>
-            </a:r>
-            <a:endParaRPr>
-              <a:solidFill>
-                <a:schemeClr val="accent1"/>
-              </a:solidFill>
-            </a:endParaRPr>
-          </a:p>
-        </p:txBody>
-      </p:sp>
-    </p:spTree>
-  </p:cSld>
-  <p:clrMapOvr>
-    <a:masterClrMapping/>
-  </p:clrMapOvr>
-</p:sld>
-</file>
-
-<file path=ppt/slides/slide7.xml><?xml version="1.0" encoding="utf-8"?>
-<p:sld xmlns:a="http://schemas.openxmlformats.org/drawingml/2006/main" xmlns:r="http://schemas.openxmlformats.org/officeDocument/2006/relationships" xmlns:mc="http://schemas.openxmlformats.org/markup-compatibility/2006" xmlns:mv="urn:schemas-microsoft-com:mac:vml" xmlns:p="http://schemas.openxmlformats.org/presentationml/2006/main" xmlns:c="http://schemas.openxmlformats.org/drawingml/2006/chart" xmlns:dgm="http://schemas.openxmlformats.org/drawingml/2006/diagram" xmlns:o="urn:schemas-microsoft-com:office:office" xmlns:v="urn:schemas-microsoft-com:vml" xmlns:pvml="urn:schemas-microsoft-com:office:powerpoint" xmlns:com="http://schemas.openxmlformats.org/drawingml/2006/compatibility" xmlns:p14="http://schemas.microsoft.com/office/powerpoint/2010/main" xmlns:p15="http://schemas.microsoft.com/office/powerpoint/2012/main">
-  <p:cSld>
-    <p:spTree>
-      <p:nvGrpSpPr>
-        <p:cNvPr id="96" name="Shape 96"/>
-        <p:cNvGrpSpPr/>
-        <p:nvPr/>
-      </p:nvGrpSpPr>
-      <p:grpSpPr>
-        <a:xfrm>
-          <a:off x="0" y="0"/>
-          <a:ext cx="0" cy="0"/>
-          <a:chOff x="0" y="0"/>
-          <a:chExt cx="0" cy="0"/>
-        </a:xfrm>
-      </p:grpSpPr>
-      <p:sp>
-        <p:nvSpPr>
-          <p:cNvPr id="97" name="Google Shape;97;p19"/>
-          <p:cNvSpPr txBox="1"/>
-          <p:nvPr>
-            <p:ph type="title"/>
-          </p:nvPr>
-        </p:nvSpPr>
-        <p:spPr>
-          <a:xfrm>
-            <a:off x="512700" y="1893300"/>
-            <a:ext cx="8118600" cy="1522800"/>
-          </a:xfrm>
-          <a:prstGeom prst="rect">
-            <a:avLst/>
-          </a:prstGeom>
-        </p:spPr>
-        <p:txBody>
-          <a:bodyPr anchorCtr="0" anchor="b" bIns="91425" lIns="91425" spcFirstLastPara="1" rIns="91425" wrap="square" tIns="91425">
-            <a:noAutofit/>
-          </a:bodyPr>
-          <a:lstStyle/>
-          <a:p>
-            <a:pPr indent="0" lvl="0" marL="0" rtl="0" algn="l">
-              <a:spcBef>
-                <a:spcPts val="0"/>
-              </a:spcBef>
-              <a:spcAft>
-                <a:spcPts val="0"/>
-              </a:spcAft>
-              <a:buNone/>
-            </a:pPr>
-            <a:r>
-              <a:rPr lang="en"/>
-              <a:t>Live Demo </a:t>
-            </a:r>
-            <a:r>
-              <a:rPr lang="en" sz="2400">
-                <a:solidFill>
-                  <a:srgbClr val="666666"/>
-                </a:solidFill>
-              </a:rPr>
-              <a:t>(before)</a:t>
-            </a:r>
-            <a:endParaRPr sz="2400">
-              <a:solidFill>
-                <a:srgbClr val="666666"/>
-              </a:solidFill>
-            </a:endParaRPr>
-          </a:p>
-        </p:txBody>
-      </p:sp>
-    </p:spTree>
-  </p:cSld>
-  <p:clrMapOvr>
-    <a:masterClrMapping/>
-  </p:clrMapOvr>
-</p:sld>
-</file>
-
-<file path=ppt/slides/slide8.xml><?xml version="1.0" encoding="utf-8"?>
-<p:sld xmlns:a="http://schemas.openxmlformats.org/drawingml/2006/main" xmlns:r="http://schemas.openxmlformats.org/officeDocument/2006/relationships" xmlns:mc="http://schemas.openxmlformats.org/markup-compatibility/2006" xmlns:mv="urn:schemas-microsoft-com:mac:vml" xmlns:p="http://schemas.openxmlformats.org/presentationml/2006/main" xmlns:c="http://schemas.openxmlformats.org/drawingml/2006/chart" xmlns:dgm="http://schemas.openxmlformats.org/drawingml/2006/diagram" xmlns:o="urn:schemas-microsoft-com:office:office" xmlns:v="urn:schemas-microsoft-com:vml" xmlns:pvml="urn:schemas-microsoft-com:office:powerpoint" xmlns:com="http://schemas.openxmlformats.org/drawingml/2006/compatibility" xmlns:p14="http://schemas.microsoft.com/office/powerpoint/2010/main" xmlns:p15="http://schemas.microsoft.com/office/powerpoint/2012/main">
-  <p:cSld>
-    <p:spTree>
-      <p:nvGrpSpPr>
-        <p:cNvPr id="101" name="Shape 101"/>
-        <p:cNvGrpSpPr/>
-        <p:nvPr/>
-      </p:nvGrpSpPr>
-      <p:grpSpPr>
-        <a:xfrm>
-          <a:off x="0" y="0"/>
-          <a:ext cx="0" cy="0"/>
-          <a:chOff x="0" y="0"/>
-          <a:chExt cx="0" cy="0"/>
-        </a:xfrm>
-      </p:grpSpPr>
-      <p:sp>
-        <p:nvSpPr>
-          <p:cNvPr id="102" name="Google Shape;102;p20"/>
-          <p:cNvSpPr txBox="1"/>
-          <p:nvPr>
-            <p:ph type="title"/>
-          </p:nvPr>
-        </p:nvSpPr>
-        <p:spPr>
-          <a:xfrm>
-            <a:off x="466300" y="525150"/>
-            <a:ext cx="5874900" cy="1281300"/>
-          </a:xfrm>
-          <a:prstGeom prst="rect">
-            <a:avLst/>
-          </a:prstGeom>
-        </p:spPr>
-        <p:txBody>
-          <a:bodyPr anchorCtr="0" anchor="b" bIns="91425" lIns="91425" spcFirstLastPara="1" rIns="91425" wrap="square" tIns="91425">
-            <a:noAutofit/>
-          </a:bodyPr>
-          <a:lstStyle/>
-          <a:p>
-            <a:pPr indent="0" lvl="0" marL="0" rtl="0" algn="l">
-              <a:spcBef>
-                <a:spcPts val="0"/>
-              </a:spcBef>
-              <a:spcAft>
-                <a:spcPts val="0"/>
-              </a:spcAft>
-              <a:buNone/>
-            </a:pPr>
-            <a:r>
-              <a:rPr lang="en" sz="3600"/>
-              <a:t>Quick sacrifice to</a:t>
-            </a:r>
-            <a:r>
-              <a:rPr lang="en" sz="4800"/>
-              <a:t> </a:t>
-            </a:r>
-            <a:r>
-              <a:rPr lang="en" sz="3600"/>
-              <a:t>appease the demo gods</a:t>
-            </a:r>
-            <a:endParaRPr sz="3600"/>
-          </a:p>
-        </p:txBody>
-      </p:sp>
-      <p:pic>
-        <p:nvPicPr>
-          <p:cNvPr id="103" name="Google Shape;103;p20"/>
-          <p:cNvPicPr preferRelativeResize="0"/>
-          <p:nvPr/>
-        </p:nvPicPr>
-        <p:blipFill>
-          <a:blip r:embed="rId3">
-            <a:alphaModFix/>
-          </a:blip>
-          <a:stretch>
-            <a:fillRect/>
-          </a:stretch>
-        </p:blipFill>
-        <p:spPr>
-          <a:xfrm>
-            <a:off x="3534575" y="1518550"/>
-            <a:ext cx="5248350" cy="3059025"/>
-          </a:xfrm>
-          <a:prstGeom prst="rect">
-            <a:avLst/>
-          </a:prstGeom>
-          <a:noFill/>
-          <a:ln>
-            <a:noFill/>
-          </a:ln>
-        </p:spPr>
-      </p:pic>
-    </p:spTree>
-  </p:cSld>
-  <p:clrMapOvr>
-    <a:masterClrMapping/>
-  </p:clrMapOvr>
-</p:sld>
-</file>
-
-<file path=ppt/slides/slide9.xml><?xml version="1.0" encoding="utf-8"?>
-<p:sld xmlns:a="http://schemas.openxmlformats.org/drawingml/2006/main" xmlns:r="http://schemas.openxmlformats.org/officeDocument/2006/relationships" xmlns:mc="http://schemas.openxmlformats.org/markup-compatibility/2006" xmlns:mv="urn:schemas-microsoft-com:mac:vml" xmlns:p="http://schemas.openxmlformats.org/presentationml/2006/main" xmlns:c="http://schemas.openxmlformats.org/drawingml/2006/chart" xmlns:dgm="http://schemas.openxmlformats.org/drawingml/2006/diagram" xmlns:o="urn:schemas-microsoft-com:office:office" xmlns:v="urn:schemas-microsoft-com:vml" xmlns:pvml="urn:schemas-microsoft-com:office:powerpoint" xmlns:com="http://schemas.openxmlformats.org/drawingml/2006/compatibility" xmlns:p14="http://schemas.microsoft.com/office/powerpoint/2010/main" xmlns:p15="http://schemas.microsoft.com/office/powerpoint/2012/main">
-  <p:cSld>
-    <p:spTree>
-      <p:nvGrpSpPr>
-        <p:cNvPr id="107" name="Shape 107"/>
-        <p:cNvGrpSpPr/>
-        <p:nvPr/>
-      </p:nvGrpSpPr>
-      <p:grpSpPr>
-        <a:xfrm>
-          <a:off x="0" y="0"/>
-          <a:ext cx="0" cy="0"/>
-          <a:chOff x="0" y="0"/>
-          <a:chExt cx="0" cy="0"/>
-        </a:xfrm>
-      </p:grpSpPr>
-      <p:sp>
-        <p:nvSpPr>
-          <p:cNvPr id="108" name="Google Shape;108;p21"/>
-          <p:cNvSpPr txBox="1"/>
-          <p:nvPr>
-            <p:ph type="title"/>
-          </p:nvPr>
-        </p:nvSpPr>
-        <p:spPr>
-          <a:xfrm>
-            <a:off x="512700" y="1893300"/>
-            <a:ext cx="8118600" cy="1522800"/>
-          </a:xfrm>
-          <a:prstGeom prst="rect">
-            <a:avLst/>
-          </a:prstGeom>
-        </p:spPr>
-        <p:txBody>
-          <a:bodyPr anchorCtr="0" anchor="b" bIns="91425" lIns="91425" spcFirstLastPara="1" rIns="91425" wrap="square" tIns="91425">
-            <a:noAutofit/>
-          </a:bodyPr>
-          <a:lstStyle/>
-          <a:p>
-            <a:pPr indent="0" lvl="0" marL="0" rtl="0" algn="l">
-              <a:spcBef>
-                <a:spcPts val="0"/>
-              </a:spcBef>
-              <a:spcAft>
-                <a:spcPts val="0"/>
-              </a:spcAft>
-              <a:buNone/>
-            </a:pPr>
-            <a:r>
-              <a:rPr lang="en"/>
-              <a:t>Live Demo</a:t>
-            </a:r>
-            <a:endParaRPr/>
-          </a:p>
-        </p:txBody>
-      </p:sp>
-      <p:sp>
-        <p:nvSpPr>
-          <p:cNvPr id="109" name="Google Shape;109;p21"/>
-          <p:cNvSpPr/>
-          <p:nvPr/>
-        </p:nvSpPr>
-        <p:spPr>
-          <a:xfrm>
-            <a:off x="4502875" y="2497475"/>
-            <a:ext cx="752100" cy="751500"/>
-          </a:xfrm>
-          <a:prstGeom prst="ellipse">
-            <a:avLst/>
-          </a:prstGeom>
-          <a:solidFill>
-            <a:srgbClr val="FF0000"/>
-          </a:solidFill>
-          <a:ln cap="flat" cmpd="sng" w="9525">
-            <a:solidFill>
-              <a:schemeClr val="dk2"/>
-            </a:solidFill>
-            <a:prstDash val="solid"/>
-            <a:round/>
-            <a:headEnd len="sm" w="sm" type="none"/>
-            <a:tailEnd len="sm" w="sm" type="none"/>
-          </a:ln>
-        </p:spPr>
-        <p:txBody>
-          <a:bodyPr anchorCtr="0" anchor="ctr" bIns="91425" lIns="91425" spcFirstLastPara="1" rIns="91425" wrap="square" tIns="91425">
-            <a:noAutofit/>
-          </a:bodyPr>
-          <a:lstStyle/>
-          <a:p>
-            <a:pPr indent="0" lvl="0" marL="0" rtl="0" algn="l">
-              <a:spcBef>
-                <a:spcPts val="0"/>
-              </a:spcBef>
-              <a:spcAft>
-                <a:spcPts val="0"/>
-              </a:spcAft>
-              <a:buNone/>
-            </a:pPr>
-            <a:r>
-              <a:t/>
-            </a:r>
-            <a:endParaRPr>
-              <a:solidFill>
-                <a:srgbClr val="FF0000"/>
-              </a:solidFill>
-            </a:endParaRPr>
-          </a:p>
-        </p:txBody>
-      </p:sp>
     </p:spTree>
   </p:cSld>
   <p:clrMapOvr>
